--- a/ppt/8.pptx
+++ b/ppt/8.pptx
@@ -1,26 +1,26 @@
 
 <file path=ppt/presentation.xml><?xml version="1.0" encoding="utf-8"?>
-<p:presentation xmlns:a="http://schemas.openxmlformats.org/drawingml/2006/main" xmlns:r="http://schemas.openxmlformats.org/officeDocument/2006/relationships" xmlns:p="http://schemas.openxmlformats.org/presentationml/2006/main" saveSubsetFonts="1">
+<p:presentation xmlns:a="http://schemas.openxmlformats.org/drawingml/2006/main" xmlns:r="http://schemas.openxmlformats.org/officeDocument/2006/relationships" xmlns:p="http://schemas.openxmlformats.org/presentationml/2006/main">
   <p:sldMasterIdLst>
-    <p:sldMasterId id="2147483840" r:id="rId1"/>
-    <p:sldMasterId id="2147483915" r:id="rId2"/>
-    <p:sldMasterId id="2147484013" r:id="rId3"/>
+    <p:sldMasterId id="2147483648" r:id="rId1"/>
+    <p:sldMasterId id="2147483653" r:id="rId3"/>
+    <p:sldMasterId id="2147483661" r:id="rId4"/>
   </p:sldMasterIdLst>
   <p:notesMasterIdLst>
-    <p:notesMasterId r:id="rId15"/>
+    <p:notesMasterId r:id="rId16"/>
   </p:notesMasterIdLst>
   <p:sldIdLst>
-    <p:sldId id="256" r:id="rId4"/>
-    <p:sldId id="258" r:id="rId5"/>
-    <p:sldId id="257" r:id="rId6"/>
-    <p:sldId id="259" r:id="rId7"/>
-    <p:sldId id="264" r:id="rId8"/>
-    <p:sldId id="265" r:id="rId9"/>
-    <p:sldId id="269" r:id="rId10"/>
-    <p:sldId id="263" r:id="rId11"/>
-    <p:sldId id="262" r:id="rId12"/>
-    <p:sldId id="261" r:id="rId13"/>
-    <p:sldId id="260" r:id="rId14"/>
+    <p:sldId id="256" r:id="rId5"/>
+    <p:sldId id="258" r:id="rId6"/>
+    <p:sldId id="257" r:id="rId7"/>
+    <p:sldId id="259" r:id="rId8"/>
+    <p:sldId id="264" r:id="rId9"/>
+    <p:sldId id="265" r:id="rId10"/>
+    <p:sldId id="269" r:id="rId11"/>
+    <p:sldId id="263" r:id="rId12"/>
+    <p:sldId id="262" r:id="rId13"/>
+    <p:sldId id="261" r:id="rId14"/>
+    <p:sldId id="260" r:id="rId15"/>
   </p:sldIdLst>
   <p:sldSz cx="9144000" cy="6858000" type="screen4x3"/>
   <p:notesSz cx="6858000" cy="9144000"/>
@@ -149,11 +149,6 @@
       </a:defRPr>
     </a:lvl9pPr>
   </p:defaultTextStyle>
-  <p:extLst>
-    <p:ext uri="{EFAFB233-063F-42B5-8137-9DF3F51BA10A}">
-      <p15:sldGuideLst xmlns:p15="http://schemas.microsoft.com/office/powerpoint/2012/main"/>
-    </p:ext>
-  </p:extLst>
 </p:presentation>
 </file>
 
@@ -239,7 +234,6 @@
           <a:p>
             <a:fld id="{A7F19596-6559-49E7-AEB6-FDB3D4F3A95A}" type="datetimeFigureOut">
               <a:rPr lang="zh-CN" altLang="en-US" smtClean="0"/>
-              <a:t>2019-11-14</a:t>
             </a:fld>
             <a:endParaRPr lang="zh-CN" altLang="en-US"/>
           </a:p>
@@ -306,6 +300,7 @@
               <a:rPr lang="zh-CN" altLang="en-US"/>
               <a:t>单击此处编辑母版文本样式</a:t>
             </a:r>
+            <a:endParaRPr lang="zh-CN" altLang="en-US"/>
           </a:p>
           <a:p>
             <a:pPr lvl="1"/>
@@ -313,6 +308,7 @@
               <a:rPr lang="zh-CN" altLang="en-US"/>
               <a:t>二级</a:t>
             </a:r>
+            <a:endParaRPr lang="zh-CN" altLang="en-US"/>
           </a:p>
           <a:p>
             <a:pPr lvl="2"/>
@@ -320,6 +316,7 @@
               <a:rPr lang="zh-CN" altLang="en-US"/>
               <a:t>三级</a:t>
             </a:r>
+            <a:endParaRPr lang="zh-CN" altLang="en-US"/>
           </a:p>
           <a:p>
             <a:pPr lvl="3"/>
@@ -327,6 +324,7 @@
               <a:rPr lang="zh-CN" altLang="en-US"/>
               <a:t>四级</a:t>
             </a:r>
+            <a:endParaRPr lang="zh-CN" altLang="en-US"/>
           </a:p>
           <a:p>
             <a:pPr lvl="4"/>
@@ -334,6 +332,7 @@
               <a:rPr lang="zh-CN" altLang="en-US"/>
               <a:t>五级</a:t>
             </a:r>
+            <a:endParaRPr lang="zh-CN" altLang="en-US"/>
           </a:p>
         </p:txBody>
       </p:sp>
@@ -397,18 +396,12 @@
           <a:p>
             <a:fld id="{79FD646D-9DA1-4510-9B86-B0A2DCFC95AB}" type="slidenum">
               <a:rPr lang="zh-CN" altLang="en-US" smtClean="0"/>
-              <a:t>‹#›</a:t>
             </a:fld>
             <a:endParaRPr lang="zh-CN" altLang="en-US"/>
           </a:p>
         </p:txBody>
       </p:sp>
     </p:spTree>
-    <p:extLst>
-      <p:ext uri="{BB962C8B-B14F-4D97-AF65-F5344CB8AC3E}">
-        <p14:creationId xmlns:p14="http://schemas.microsoft.com/office/powerpoint/2010/main" val="3884202360"/>
-      </p:ext>
-    </p:extLst>
   </p:cSld>
   <p:clrMap bg1="lt1" tx1="dk1" bg2="lt2" tx2="dk2" accent1="accent1" accent2="accent2" accent3="accent3" accent4="accent4" accent5="accent5" accent6="accent6" hlink="hlink" folHlink="folHlink"/>
   <p:notesStyle>
@@ -820,8 +813,8 @@
                 <a:solidFill>
                   <a:srgbClr val="740000"/>
                 </a:solidFill>
-                <a:latin typeface="微软雅黑" pitchFamily="34" charset="-122"/>
-                <a:ea typeface="微软雅黑" pitchFamily="34" charset="-122"/>
+                <a:latin typeface="微软雅黑" panose="020B0503020204020204" pitchFamily="34" charset="-122"/>
+                <a:ea typeface="微软雅黑" panose="020B0503020204020204" pitchFamily="34" charset="-122"/>
               </a:defRPr>
             </a:lvl1pPr>
           </a:lstStyle>
@@ -861,8 +854,8 @@
                     <a:lumMod val="25000"/>
                   </a:schemeClr>
                 </a:solidFill>
-                <a:latin typeface="微软雅黑" pitchFamily="34" charset="-122"/>
-                <a:ea typeface="微软雅黑" pitchFamily="34" charset="-122"/>
+                <a:latin typeface="微软雅黑" panose="020B0503020204020204" pitchFamily="34" charset="-122"/>
+                <a:ea typeface="微软雅黑" panose="020B0503020204020204" pitchFamily="34" charset="-122"/>
               </a:defRPr>
             </a:lvl1pPr>
             <a:lvl2pPr marL="457200" indent="0" algn="ctr">
@@ -949,11 +942,6 @@
         </p:spPr>
       </p:pic>
     </p:spTree>
-    <p:extLst>
-      <p:ext uri="{BB962C8B-B14F-4D97-AF65-F5344CB8AC3E}">
-        <p14:creationId xmlns:p14="http://schemas.microsoft.com/office/powerpoint/2010/main" val="2689184709"/>
-      </p:ext>
-    </p:extLst>
   </p:cSld>
   <p:clrMapOvr>
     <a:masterClrMapping/>
@@ -979,22 +967,17 @@
         </a:xfrm>
       </p:grpSpPr>
     </p:spTree>
-    <p:extLst>
-      <p:ext uri="{BB962C8B-B14F-4D97-AF65-F5344CB8AC3E}">
-        <p14:creationId xmlns:p14="http://schemas.microsoft.com/office/powerpoint/2010/main" val="73084657"/>
-      </p:ext>
-    </p:extLst>
   </p:cSld>
   <p:clrMapOvr>
     <a:masterClrMapping/>
   </p:clrMapOvr>
-  <mc:AlternateContent xmlns:mc="http://schemas.openxmlformats.org/markup-compatibility/2006" xmlns:p14="http://schemas.microsoft.com/office/powerpoint/2010/main">
-    <mc:Choice Requires="p14">
+  <mc:AlternateContent xmlns:mc="http://schemas.openxmlformats.org/markup-compatibility/2006">
+    <mc:Choice xmlns:p14="http://schemas.microsoft.com/office/powerpoint/2010/main" Requires="p14">
       <p:transition spd="slow" p14:dur="1600">
         <p:blinds dir="vert"/>
       </p:transition>
     </mc:Choice>
-    <mc:Fallback xmlns="">
+    <mc:Fallback>
       <p:transition spd="slow">
         <p:blinds dir="vert"/>
       </p:transition>
@@ -1039,6 +1022,7 @@
               <a:rPr lang="zh-CN" altLang="en-US"/>
               <a:t>单击此处编辑母版标题样式</a:t>
             </a:r>
+            <a:endParaRPr lang="zh-CN" altLang="en-US"/>
           </a:p>
         </p:txBody>
       </p:sp>
@@ -1062,6 +1046,7 @@
               <a:rPr lang="zh-CN" altLang="en-US"/>
               <a:t>单击此处编辑母版文本样式</a:t>
             </a:r>
+            <a:endParaRPr lang="zh-CN" altLang="en-US"/>
           </a:p>
           <a:p>
             <a:pPr lvl="1"/>
@@ -1069,6 +1054,7 @@
               <a:rPr lang="zh-CN" altLang="en-US"/>
               <a:t>二级</a:t>
             </a:r>
+            <a:endParaRPr lang="zh-CN" altLang="en-US"/>
           </a:p>
           <a:p>
             <a:pPr lvl="2"/>
@@ -1076,6 +1062,7 @@
               <a:rPr lang="zh-CN" altLang="en-US"/>
               <a:t>三级</a:t>
             </a:r>
+            <a:endParaRPr lang="zh-CN" altLang="en-US"/>
           </a:p>
           <a:p>
             <a:pPr lvl="3"/>
@@ -1083,6 +1070,7 @@
               <a:rPr lang="zh-CN" altLang="en-US"/>
               <a:t>四级</a:t>
             </a:r>
+            <a:endParaRPr lang="zh-CN" altLang="en-US"/>
           </a:p>
           <a:p>
             <a:pPr lvl="4"/>
@@ -1090,15 +1078,11 @@
               <a:rPr lang="zh-CN" altLang="en-US"/>
               <a:t>五级</a:t>
             </a:r>
+            <a:endParaRPr lang="zh-CN" altLang="en-US"/>
           </a:p>
         </p:txBody>
       </p:sp>
     </p:spTree>
-    <p:extLst>
-      <p:ext uri="{BB962C8B-B14F-4D97-AF65-F5344CB8AC3E}">
-        <p14:creationId xmlns:p14="http://schemas.microsoft.com/office/powerpoint/2010/main" val="1388554666"/>
-      </p:ext>
-    </p:extLst>
   </p:cSld>
   <p:clrMapOvr>
     <a:masterClrMapping/>
@@ -1107,7 +1091,7 @@
 </file>
 
 <file path=ppt/slideLayouts/slideLayout12.xml><?xml version="1.0" encoding="utf-8"?>
-<p:sldLayout xmlns:a="http://schemas.openxmlformats.org/drawingml/2006/main" xmlns:r="http://schemas.openxmlformats.org/officeDocument/2006/relationships" xmlns:p="http://schemas.openxmlformats.org/presentationml/2006/main" showMasterSp="0" type="title" preserve="1">
+<p:sldLayout xmlns:a="http://schemas.openxmlformats.org/drawingml/2006/main" xmlns:r="http://schemas.openxmlformats.org/officeDocument/2006/relationships" xmlns:p="http://schemas.openxmlformats.org/presentationml/2006/main" type="title" preserve="1" showMasterSp="0">
   <p:cSld name="标题幻灯片">
     <p:spTree>
       <p:nvGrpSpPr>
@@ -1168,8 +1152,6 @@
                   <a:schemeClr val="tx1"/>
                 </a:solidFill>
                 <a:round/>
-                <a:headEnd/>
-                <a:tailEnd/>
               </a14:hiddenLine>
             </a:ext>
             <a:ext uri="{AF507438-7753-43E0-B8FC-AC1667EBCBE1}">
@@ -1276,8 +1258,6 @@
                   <a:schemeClr val="tx1"/>
                 </a:solidFill>
                 <a:round/>
-                <a:headEnd/>
-                <a:tailEnd/>
               </a14:hiddenLine>
             </a:ext>
             <a:ext uri="{AF507438-7753-43E0-B8FC-AC1667EBCBE1}">
@@ -1353,8 +1333,8 @@
                 <a:solidFill>
                   <a:schemeClr val="tx2"/>
                 </a:solidFill>
-                <a:latin typeface="微软雅黑" pitchFamily="34" charset="-122"/>
-                <a:ea typeface="微软雅黑" pitchFamily="34" charset="-122"/>
+                <a:latin typeface="微软雅黑" panose="020B0503020204020204" pitchFamily="34" charset="-122"/>
+                <a:ea typeface="微软雅黑" panose="020B0503020204020204" pitchFamily="34" charset="-122"/>
               </a:defRPr>
             </a:lvl1pPr>
           </a:lstStyle>
@@ -1403,11 +1383,7 @@
           </a:extLst>
         </p:spPr>
         <p:txBody>
-          <a:bodyPr vert="horz" wrap="square" lIns="91440" tIns="45720" rIns="91440" bIns="45720" numCol="1" anchor="ctr" anchorCtr="0" compatLnSpc="1">
-            <a:prstTxWarp prst="textNoShape">
-              <a:avLst/>
-            </a:prstTxWarp>
-          </a:bodyPr>
+          <a:bodyPr vert="horz" wrap="square" lIns="91440" tIns="45720" rIns="91440" bIns="45720" numCol="1" anchor="ctr" anchorCtr="0" compatLnSpc="1"/>
           <a:lstStyle>
             <a:lvl1pPr marL="0" indent="0" algn="l">
               <a:buNone/>
@@ -1415,8 +1391,8 @@
                 <a:solidFill>
                   <a:srgbClr val="660033"/>
                 </a:solidFill>
-                <a:latin typeface="微软雅黑" pitchFamily="34" charset="-122"/>
-                <a:ea typeface="微软雅黑" pitchFamily="34" charset="-122"/>
+                <a:latin typeface="微软雅黑" panose="020B0503020204020204" pitchFamily="34" charset="-122"/>
+                <a:ea typeface="微软雅黑" panose="020B0503020204020204" pitchFamily="34" charset="-122"/>
                 <a:cs typeface="+mj-cs"/>
               </a:defRPr>
             </a:lvl1pPr>
@@ -1452,7 +1428,9 @@
             </a:extLst>
           </a:blip>
           <a:srcRect t="10808"/>
-          <a:stretch/>
+          <a:stretch>
+            <a:fillRect/>
+          </a:stretch>
         </p:blipFill>
         <p:spPr bwMode="auto">
           <a:xfrm>
@@ -1519,11 +1497,6 @@
         </p:spPr>
       </p:pic>
     </p:spTree>
-    <p:extLst>
-      <p:ext uri="{BB962C8B-B14F-4D97-AF65-F5344CB8AC3E}">
-        <p14:creationId xmlns:p14="http://schemas.microsoft.com/office/powerpoint/2010/main" val="2353138199"/>
-      </p:ext>
-    </p:extLst>
   </p:cSld>
   <p:clrMapOvr>
     <a:masterClrMapping/>
@@ -1569,8 +1542,8 @@
           <a:lstStyle>
             <a:lvl1pPr algn="r">
               <a:defRPr sz="2800">
-                <a:latin typeface="微软雅黑" pitchFamily="34" charset="-122"/>
-                <a:ea typeface="微软雅黑" pitchFamily="34" charset="-122"/>
+                <a:latin typeface="微软雅黑" panose="020B0503020204020204" pitchFamily="34" charset="-122"/>
+                <a:ea typeface="微软雅黑" panose="020B0503020204020204" pitchFamily="34" charset="-122"/>
               </a:defRPr>
             </a:lvl1pPr>
           </a:lstStyle>
@@ -1599,32 +1572,32 @@
           <a:lstStyle>
             <a:lvl1pPr>
               <a:defRPr b="1">
-                <a:latin typeface="黑体" pitchFamily="49" charset="-122"/>
-                <a:ea typeface="黑体" pitchFamily="49" charset="-122"/>
+                <a:latin typeface="黑体" panose="02010609060101010101" pitchFamily="49" charset="-122"/>
+                <a:ea typeface="黑体" panose="02010609060101010101" pitchFamily="49" charset="-122"/>
               </a:defRPr>
             </a:lvl1pPr>
             <a:lvl2pPr>
               <a:defRPr b="1">
-                <a:latin typeface="黑体" pitchFamily="49" charset="-122"/>
-                <a:ea typeface="黑体" pitchFamily="49" charset="-122"/>
+                <a:latin typeface="黑体" panose="02010609060101010101" pitchFamily="49" charset="-122"/>
+                <a:ea typeface="黑体" panose="02010609060101010101" pitchFamily="49" charset="-122"/>
               </a:defRPr>
             </a:lvl2pPr>
             <a:lvl3pPr>
               <a:defRPr b="1">
-                <a:latin typeface="黑体" pitchFamily="49" charset="-122"/>
-                <a:ea typeface="黑体" pitchFamily="49" charset="-122"/>
+                <a:latin typeface="黑体" panose="02010609060101010101" pitchFamily="49" charset="-122"/>
+                <a:ea typeface="黑体" panose="02010609060101010101" pitchFamily="49" charset="-122"/>
               </a:defRPr>
             </a:lvl3pPr>
             <a:lvl4pPr>
               <a:defRPr b="1">
-                <a:latin typeface="黑体" pitchFamily="49" charset="-122"/>
-                <a:ea typeface="黑体" pitchFamily="49" charset="-122"/>
+                <a:latin typeface="黑体" panose="02010609060101010101" pitchFamily="49" charset="-122"/>
+                <a:ea typeface="黑体" panose="02010609060101010101" pitchFamily="49" charset="-122"/>
               </a:defRPr>
             </a:lvl4pPr>
             <a:lvl5pPr>
               <a:defRPr b="1">
-                <a:latin typeface="黑体" pitchFamily="49" charset="-122"/>
-                <a:ea typeface="黑体" pitchFamily="49" charset="-122"/>
+                <a:latin typeface="黑体" panose="02010609060101010101" pitchFamily="49" charset="-122"/>
+                <a:ea typeface="黑体" panose="02010609060101010101" pitchFamily="49" charset="-122"/>
               </a:defRPr>
             </a:lvl5pPr>
           </a:lstStyle>
@@ -1634,6 +1607,7 @@
               <a:rPr lang="zh-CN" altLang="en-US"/>
               <a:t>单击此处编辑母版文本样式</a:t>
             </a:r>
+            <a:endParaRPr lang="zh-CN" altLang="en-US"/>
           </a:p>
           <a:p>
             <a:pPr lvl="1"/>
@@ -1641,6 +1615,7 @@
               <a:rPr lang="zh-CN" altLang="en-US"/>
               <a:t>二级</a:t>
             </a:r>
+            <a:endParaRPr lang="zh-CN" altLang="en-US"/>
           </a:p>
           <a:p>
             <a:pPr lvl="2"/>
@@ -1648,6 +1623,7 @@
               <a:rPr lang="zh-CN" altLang="en-US"/>
               <a:t>三级</a:t>
             </a:r>
+            <a:endParaRPr lang="zh-CN" altLang="en-US"/>
           </a:p>
           <a:p>
             <a:pPr lvl="3"/>
@@ -1655,6 +1631,7 @@
               <a:rPr lang="zh-CN" altLang="en-US"/>
               <a:t>四级</a:t>
             </a:r>
+            <a:endParaRPr lang="zh-CN" altLang="en-US"/>
           </a:p>
           <a:p>
             <a:pPr lvl="4"/>
@@ -1662,26 +1639,22 @@
               <a:rPr lang="zh-CN" altLang="en-US"/>
               <a:t>五级</a:t>
             </a:r>
+            <a:endParaRPr lang="zh-CN" altLang="en-US"/>
           </a:p>
         </p:txBody>
       </p:sp>
     </p:spTree>
-    <p:extLst>
-      <p:ext uri="{BB962C8B-B14F-4D97-AF65-F5344CB8AC3E}">
-        <p14:creationId xmlns:p14="http://schemas.microsoft.com/office/powerpoint/2010/main" val="3368332455"/>
-      </p:ext>
-    </p:extLst>
   </p:cSld>
   <p:clrMapOvr>
     <a:masterClrMapping/>
   </p:clrMapOvr>
-  <mc:AlternateContent xmlns:mc="http://schemas.openxmlformats.org/markup-compatibility/2006" xmlns:p14="http://schemas.microsoft.com/office/powerpoint/2010/main">
-    <mc:Choice Requires="p14">
+  <mc:AlternateContent xmlns:mc="http://schemas.openxmlformats.org/markup-compatibility/2006">
+    <mc:Choice xmlns:p14="http://schemas.microsoft.com/office/powerpoint/2010/main" Requires="p14">
       <p:transition spd="slow" p14:dur="1600">
         <p:blinds dir="vert"/>
       </p:transition>
     </mc:Choice>
-    <mc:Fallback xmlns="">
+    <mc:Fallback>
       <p:transition spd="slow">
         <p:blinds dir="vert"/>
       </p:transition>
@@ -1735,6 +1708,7 @@
               <a:rPr lang="zh-CN" altLang="en-US"/>
               <a:t>单击此处编辑母版标题样式</a:t>
             </a:r>
+            <a:endParaRPr lang="zh-CN" altLang="en-US"/>
           </a:p>
         </p:txBody>
       </p:sp>
@@ -1800,15 +1774,11 @@
               <a:rPr lang="zh-CN" altLang="en-US"/>
               <a:t>单击此处编辑母版文本样式</a:t>
             </a:r>
+            <a:endParaRPr lang="zh-CN" altLang="en-US"/>
           </a:p>
         </p:txBody>
       </p:sp>
     </p:spTree>
-    <p:extLst>
-      <p:ext uri="{BB962C8B-B14F-4D97-AF65-F5344CB8AC3E}">
-        <p14:creationId xmlns:p14="http://schemas.microsoft.com/office/powerpoint/2010/main" val="1565939248"/>
-      </p:ext>
-    </p:extLst>
   </p:cSld>
   <p:clrMapOvr>
     <a:masterClrMapping/>
@@ -1852,6 +1822,7 @@
               <a:rPr lang="zh-CN" altLang="en-US"/>
               <a:t>单击此处编辑母版标题样式</a:t>
             </a:r>
+            <a:endParaRPr lang="zh-CN" altLang="en-US"/>
           </a:p>
         </p:txBody>
       </p:sp>
@@ -1908,6 +1879,7 @@
               <a:rPr lang="zh-CN" altLang="en-US"/>
               <a:t>单击此处编辑母版文本样式</a:t>
             </a:r>
+            <a:endParaRPr lang="zh-CN" altLang="en-US"/>
           </a:p>
           <a:p>
             <a:pPr lvl="1"/>
@@ -1915,6 +1887,7 @@
               <a:rPr lang="zh-CN" altLang="en-US"/>
               <a:t>二级</a:t>
             </a:r>
+            <a:endParaRPr lang="zh-CN" altLang="en-US"/>
           </a:p>
           <a:p>
             <a:pPr lvl="2"/>
@@ -1922,6 +1895,7 @@
               <a:rPr lang="zh-CN" altLang="en-US"/>
               <a:t>三级</a:t>
             </a:r>
+            <a:endParaRPr lang="zh-CN" altLang="en-US"/>
           </a:p>
           <a:p>
             <a:pPr lvl="3"/>
@@ -1929,6 +1903,7 @@
               <a:rPr lang="zh-CN" altLang="en-US"/>
               <a:t>四级</a:t>
             </a:r>
+            <a:endParaRPr lang="zh-CN" altLang="en-US"/>
           </a:p>
           <a:p>
             <a:pPr lvl="4"/>
@@ -1936,6 +1911,7 @@
               <a:rPr lang="zh-CN" altLang="en-US"/>
               <a:t>五级</a:t>
             </a:r>
+            <a:endParaRPr lang="zh-CN" altLang="en-US"/>
           </a:p>
         </p:txBody>
       </p:sp>
@@ -1992,6 +1968,7 @@
               <a:rPr lang="zh-CN" altLang="en-US"/>
               <a:t>单击此处编辑母版文本样式</a:t>
             </a:r>
+            <a:endParaRPr lang="zh-CN" altLang="en-US"/>
           </a:p>
           <a:p>
             <a:pPr lvl="1"/>
@@ -1999,6 +1976,7 @@
               <a:rPr lang="zh-CN" altLang="en-US"/>
               <a:t>二级</a:t>
             </a:r>
+            <a:endParaRPr lang="zh-CN" altLang="en-US"/>
           </a:p>
           <a:p>
             <a:pPr lvl="2"/>
@@ -2006,6 +1984,7 @@
               <a:rPr lang="zh-CN" altLang="en-US"/>
               <a:t>三级</a:t>
             </a:r>
+            <a:endParaRPr lang="zh-CN" altLang="en-US"/>
           </a:p>
           <a:p>
             <a:pPr lvl="3"/>
@@ -2013,6 +1992,7 @@
               <a:rPr lang="zh-CN" altLang="en-US"/>
               <a:t>四级</a:t>
             </a:r>
+            <a:endParaRPr lang="zh-CN" altLang="en-US"/>
           </a:p>
           <a:p>
             <a:pPr lvl="4"/>
@@ -2020,15 +2000,11 @@
               <a:rPr lang="zh-CN" altLang="en-US"/>
               <a:t>五级</a:t>
             </a:r>
+            <a:endParaRPr lang="zh-CN" altLang="en-US"/>
           </a:p>
         </p:txBody>
       </p:sp>
     </p:spTree>
-    <p:extLst>
-      <p:ext uri="{BB962C8B-B14F-4D97-AF65-F5344CB8AC3E}">
-        <p14:creationId xmlns:p14="http://schemas.microsoft.com/office/powerpoint/2010/main" val="3160060354"/>
-      </p:ext>
-    </p:extLst>
   </p:cSld>
   <p:clrMapOvr>
     <a:masterClrMapping/>
@@ -2081,6 +2057,7 @@
               <a:rPr lang="zh-CN" altLang="en-US"/>
               <a:t>单击此处编辑母版标题样式</a:t>
             </a:r>
+            <a:endParaRPr lang="zh-CN" altLang="en-US"/>
           </a:p>
         </p:txBody>
       </p:sp>
@@ -2146,6 +2123,7 @@
               <a:rPr lang="zh-CN" altLang="en-US"/>
               <a:t>单击此处编辑母版文本样式</a:t>
             </a:r>
+            <a:endParaRPr lang="zh-CN" altLang="en-US"/>
           </a:p>
         </p:txBody>
       </p:sp>
@@ -2202,6 +2180,7 @@
               <a:rPr lang="zh-CN" altLang="en-US"/>
               <a:t>单击此处编辑母版文本样式</a:t>
             </a:r>
+            <a:endParaRPr lang="zh-CN" altLang="en-US"/>
           </a:p>
           <a:p>
             <a:pPr lvl="1"/>
@@ -2209,6 +2188,7 @@
               <a:rPr lang="zh-CN" altLang="en-US"/>
               <a:t>二级</a:t>
             </a:r>
+            <a:endParaRPr lang="zh-CN" altLang="en-US"/>
           </a:p>
           <a:p>
             <a:pPr lvl="2"/>
@@ -2216,6 +2196,7 @@
               <a:rPr lang="zh-CN" altLang="en-US"/>
               <a:t>三级</a:t>
             </a:r>
+            <a:endParaRPr lang="zh-CN" altLang="en-US"/>
           </a:p>
           <a:p>
             <a:pPr lvl="3"/>
@@ -2223,6 +2204,7 @@
               <a:rPr lang="zh-CN" altLang="en-US"/>
               <a:t>四级</a:t>
             </a:r>
+            <a:endParaRPr lang="zh-CN" altLang="en-US"/>
           </a:p>
           <a:p>
             <a:pPr lvl="4"/>
@@ -2230,6 +2212,7 @@
               <a:rPr lang="zh-CN" altLang="en-US"/>
               <a:t>五级</a:t>
             </a:r>
+            <a:endParaRPr lang="zh-CN" altLang="en-US"/>
           </a:p>
         </p:txBody>
       </p:sp>
@@ -2295,6 +2278,7 @@
               <a:rPr lang="zh-CN" altLang="en-US"/>
               <a:t>单击此处编辑母版文本样式</a:t>
             </a:r>
+            <a:endParaRPr lang="zh-CN" altLang="en-US"/>
           </a:p>
         </p:txBody>
       </p:sp>
@@ -2351,6 +2335,7 @@
               <a:rPr lang="zh-CN" altLang="en-US"/>
               <a:t>单击此处编辑母版文本样式</a:t>
             </a:r>
+            <a:endParaRPr lang="zh-CN" altLang="en-US"/>
           </a:p>
           <a:p>
             <a:pPr lvl="1"/>
@@ -2358,6 +2343,7 @@
               <a:rPr lang="zh-CN" altLang="en-US"/>
               <a:t>二级</a:t>
             </a:r>
+            <a:endParaRPr lang="zh-CN" altLang="en-US"/>
           </a:p>
           <a:p>
             <a:pPr lvl="2"/>
@@ -2365,6 +2351,7 @@
               <a:rPr lang="zh-CN" altLang="en-US"/>
               <a:t>三级</a:t>
             </a:r>
+            <a:endParaRPr lang="zh-CN" altLang="en-US"/>
           </a:p>
           <a:p>
             <a:pPr lvl="3"/>
@@ -2372,6 +2359,7 @@
               <a:rPr lang="zh-CN" altLang="en-US"/>
               <a:t>四级</a:t>
             </a:r>
+            <a:endParaRPr lang="zh-CN" altLang="en-US"/>
           </a:p>
           <a:p>
             <a:pPr lvl="4"/>
@@ -2379,15 +2367,11 @@
               <a:rPr lang="zh-CN" altLang="en-US"/>
               <a:t>五级</a:t>
             </a:r>
+            <a:endParaRPr lang="zh-CN" altLang="en-US"/>
           </a:p>
         </p:txBody>
       </p:sp>
     </p:spTree>
-    <p:extLst>
-      <p:ext uri="{BB962C8B-B14F-4D97-AF65-F5344CB8AC3E}">
-        <p14:creationId xmlns:p14="http://schemas.microsoft.com/office/powerpoint/2010/main" val="3407215719"/>
-      </p:ext>
-    </p:extLst>
   </p:cSld>
   <p:clrMapOvr>
     <a:masterClrMapping/>
@@ -2431,15 +2415,11 @@
               <a:rPr lang="zh-CN" altLang="en-US"/>
               <a:t>单击此处编辑母版标题样式</a:t>
             </a:r>
+            <a:endParaRPr lang="zh-CN" altLang="en-US"/>
           </a:p>
         </p:txBody>
       </p:sp>
     </p:spTree>
-    <p:extLst>
-      <p:ext uri="{BB962C8B-B14F-4D97-AF65-F5344CB8AC3E}">
-        <p14:creationId xmlns:p14="http://schemas.microsoft.com/office/powerpoint/2010/main" val="3972987049"/>
-      </p:ext>
-    </p:extLst>
   </p:cSld>
   <p:clrMapOvr>
     <a:masterClrMapping/>
@@ -2465,11 +2445,6 @@
         </a:xfrm>
       </p:grpSpPr>
     </p:spTree>
-    <p:extLst>
-      <p:ext uri="{BB962C8B-B14F-4D97-AF65-F5344CB8AC3E}">
-        <p14:creationId xmlns:p14="http://schemas.microsoft.com/office/powerpoint/2010/main" val="4164085093"/>
-      </p:ext>
-    </p:extLst>
   </p:cSld>
   <p:clrMapOvr>
     <a:masterClrMapping/>
@@ -2522,6 +2497,7 @@
               <a:rPr lang="zh-CN" altLang="en-US"/>
               <a:t>单击此处编辑母版标题样式</a:t>
             </a:r>
+            <a:endParaRPr lang="zh-CN" altLang="en-US"/>
           </a:p>
         </p:txBody>
       </p:sp>
@@ -2578,6 +2554,7 @@
               <a:rPr lang="zh-CN" altLang="en-US"/>
               <a:t>单击此处编辑母版文本样式</a:t>
             </a:r>
+            <a:endParaRPr lang="zh-CN" altLang="en-US"/>
           </a:p>
           <a:p>
             <a:pPr lvl="1"/>
@@ -2585,6 +2562,7 @@
               <a:rPr lang="zh-CN" altLang="en-US"/>
               <a:t>二级</a:t>
             </a:r>
+            <a:endParaRPr lang="zh-CN" altLang="en-US"/>
           </a:p>
           <a:p>
             <a:pPr lvl="2"/>
@@ -2592,6 +2570,7 @@
               <a:rPr lang="zh-CN" altLang="en-US"/>
               <a:t>三级</a:t>
             </a:r>
+            <a:endParaRPr lang="zh-CN" altLang="en-US"/>
           </a:p>
           <a:p>
             <a:pPr lvl="3"/>
@@ -2599,6 +2578,7 @@
               <a:rPr lang="zh-CN" altLang="en-US"/>
               <a:t>四级</a:t>
             </a:r>
+            <a:endParaRPr lang="zh-CN" altLang="en-US"/>
           </a:p>
           <a:p>
             <a:pPr lvl="4"/>
@@ -2606,6 +2586,7 @@
               <a:rPr lang="zh-CN" altLang="en-US"/>
               <a:t>五级</a:t>
             </a:r>
+            <a:endParaRPr lang="zh-CN" altLang="en-US"/>
           </a:p>
         </p:txBody>
       </p:sp>
@@ -2671,15 +2652,11 @@
               <a:rPr lang="zh-CN" altLang="en-US"/>
               <a:t>单击此处编辑母版文本样式</a:t>
             </a:r>
+            <a:endParaRPr lang="zh-CN" altLang="en-US"/>
           </a:p>
         </p:txBody>
       </p:sp>
     </p:spTree>
-    <p:extLst>
-      <p:ext uri="{BB962C8B-B14F-4D97-AF65-F5344CB8AC3E}">
-        <p14:creationId xmlns:p14="http://schemas.microsoft.com/office/powerpoint/2010/main" val="1711673987"/>
-      </p:ext>
-    </p:extLst>
   </p:cSld>
   <p:clrMapOvr>
     <a:masterClrMapping/>
@@ -2724,6 +2701,7 @@
               <a:rPr lang="zh-CN" altLang="en-US"/>
               <a:t>单击此处编辑母版文本样式</a:t>
             </a:r>
+            <a:endParaRPr lang="zh-CN" altLang="en-US"/>
           </a:p>
           <a:p>
             <a:pPr lvl="1"/>
@@ -2731,6 +2709,7 @@
               <a:rPr lang="zh-CN" altLang="en-US"/>
               <a:t>二级</a:t>
             </a:r>
+            <a:endParaRPr lang="zh-CN" altLang="en-US"/>
           </a:p>
           <a:p>
             <a:pPr lvl="2"/>
@@ -2738,6 +2717,7 @@
               <a:rPr lang="zh-CN" altLang="en-US"/>
               <a:t>三级</a:t>
             </a:r>
+            <a:endParaRPr lang="zh-CN" altLang="en-US"/>
           </a:p>
           <a:p>
             <a:pPr lvl="3"/>
@@ -2745,6 +2725,7 @@
               <a:rPr lang="zh-CN" altLang="en-US"/>
               <a:t>四级</a:t>
             </a:r>
+            <a:endParaRPr lang="zh-CN" altLang="en-US"/>
           </a:p>
           <a:p>
             <a:pPr lvl="4"/>
@@ -2757,11 +2738,6 @@
         </p:txBody>
       </p:sp>
     </p:spTree>
-    <p:extLst>
-      <p:ext uri="{BB962C8B-B14F-4D97-AF65-F5344CB8AC3E}">
-        <p14:creationId xmlns:p14="http://schemas.microsoft.com/office/powerpoint/2010/main" val="4288740875"/>
-      </p:ext>
-    </p:extLst>
   </p:cSld>
   <p:clrMapOvr>
     <a:masterClrMapping/>
@@ -2814,6 +2790,7 @@
               <a:rPr lang="zh-CN" altLang="en-US"/>
               <a:t>单击此处编辑母版标题样式</a:t>
             </a:r>
+            <a:endParaRPr lang="zh-CN" altLang="en-US"/>
           </a:p>
         </p:txBody>
       </p:sp>
@@ -2878,6 +2855,7 @@
               <a:rPr lang="zh-CN" altLang="en-US"/>
               <a:t>单击图标添加图片</a:t>
             </a:r>
+            <a:endParaRPr lang="zh-CN" altLang="en-US"/>
           </a:p>
         </p:txBody>
       </p:sp>
@@ -2943,15 +2921,11 @@
               <a:rPr lang="zh-CN" altLang="en-US"/>
               <a:t>单击此处编辑母版文本样式</a:t>
             </a:r>
+            <a:endParaRPr lang="zh-CN" altLang="en-US"/>
           </a:p>
         </p:txBody>
       </p:sp>
     </p:spTree>
-    <p:extLst>
-      <p:ext uri="{BB962C8B-B14F-4D97-AF65-F5344CB8AC3E}">
-        <p14:creationId xmlns:p14="http://schemas.microsoft.com/office/powerpoint/2010/main" val="779768991"/>
-      </p:ext>
-    </p:extLst>
   </p:cSld>
   <p:clrMapOvr>
     <a:masterClrMapping/>
@@ -2995,6 +2969,7 @@
               <a:rPr lang="zh-CN" altLang="en-US"/>
               <a:t>单击此处编辑母版标题样式</a:t>
             </a:r>
+            <a:endParaRPr lang="zh-CN" altLang="en-US"/>
           </a:p>
         </p:txBody>
       </p:sp>
@@ -3018,6 +2993,7 @@
               <a:rPr lang="zh-CN" altLang="en-US"/>
               <a:t>单击此处编辑母版文本样式</a:t>
             </a:r>
+            <a:endParaRPr lang="zh-CN" altLang="en-US"/>
           </a:p>
           <a:p>
             <a:pPr lvl="1"/>
@@ -3025,6 +3001,7 @@
               <a:rPr lang="zh-CN" altLang="en-US"/>
               <a:t>二级</a:t>
             </a:r>
+            <a:endParaRPr lang="zh-CN" altLang="en-US"/>
           </a:p>
           <a:p>
             <a:pPr lvl="2"/>
@@ -3032,6 +3009,7 @@
               <a:rPr lang="zh-CN" altLang="en-US"/>
               <a:t>三级</a:t>
             </a:r>
+            <a:endParaRPr lang="zh-CN" altLang="en-US"/>
           </a:p>
           <a:p>
             <a:pPr lvl="3"/>
@@ -3039,6 +3017,7 @@
               <a:rPr lang="zh-CN" altLang="en-US"/>
               <a:t>四级</a:t>
             </a:r>
+            <a:endParaRPr lang="zh-CN" altLang="en-US"/>
           </a:p>
           <a:p>
             <a:pPr lvl="4"/>
@@ -3046,15 +3025,11 @@
               <a:rPr lang="zh-CN" altLang="en-US"/>
               <a:t>五级</a:t>
             </a:r>
+            <a:endParaRPr lang="zh-CN" altLang="en-US"/>
           </a:p>
         </p:txBody>
       </p:sp>
     </p:spTree>
-    <p:extLst>
-      <p:ext uri="{BB962C8B-B14F-4D97-AF65-F5344CB8AC3E}">
-        <p14:creationId xmlns:p14="http://schemas.microsoft.com/office/powerpoint/2010/main" val="491914652"/>
-      </p:ext>
-    </p:extLst>
   </p:cSld>
   <p:clrMapOvr>
     <a:masterClrMapping/>
@@ -3103,6 +3078,7 @@
               <a:rPr lang="zh-CN" altLang="en-US"/>
               <a:t>单击此处编辑母版标题样式</a:t>
             </a:r>
+            <a:endParaRPr lang="zh-CN" altLang="en-US"/>
           </a:p>
         </p:txBody>
       </p:sp>
@@ -3131,6 +3107,7 @@
               <a:rPr lang="zh-CN" altLang="en-US"/>
               <a:t>单击此处编辑母版文本样式</a:t>
             </a:r>
+            <a:endParaRPr lang="zh-CN" altLang="en-US"/>
           </a:p>
           <a:p>
             <a:pPr lvl="1"/>
@@ -3138,6 +3115,7 @@
               <a:rPr lang="zh-CN" altLang="en-US"/>
               <a:t>二级</a:t>
             </a:r>
+            <a:endParaRPr lang="zh-CN" altLang="en-US"/>
           </a:p>
           <a:p>
             <a:pPr lvl="2"/>
@@ -3145,6 +3123,7 @@
               <a:rPr lang="zh-CN" altLang="en-US"/>
               <a:t>三级</a:t>
             </a:r>
+            <a:endParaRPr lang="zh-CN" altLang="en-US"/>
           </a:p>
           <a:p>
             <a:pPr lvl="3"/>
@@ -3152,6 +3131,7 @@
               <a:rPr lang="zh-CN" altLang="en-US"/>
               <a:t>四级</a:t>
             </a:r>
+            <a:endParaRPr lang="zh-CN" altLang="en-US"/>
           </a:p>
           <a:p>
             <a:pPr lvl="4"/>
@@ -3159,15 +3139,11 @@
               <a:rPr lang="zh-CN" altLang="en-US"/>
               <a:t>五级</a:t>
             </a:r>
+            <a:endParaRPr lang="zh-CN" altLang="en-US"/>
           </a:p>
         </p:txBody>
       </p:sp>
     </p:spTree>
-    <p:extLst>
-      <p:ext uri="{BB962C8B-B14F-4D97-AF65-F5344CB8AC3E}">
-        <p14:creationId xmlns:p14="http://schemas.microsoft.com/office/powerpoint/2010/main" val="2087291619"/>
-      </p:ext>
-    </p:extLst>
   </p:cSld>
   <p:clrMapOvr>
     <a:masterClrMapping/>
@@ -3219,15 +3195,11 @@
               <a:rPr lang="zh-CN" altLang="en-US"/>
               <a:t>单击此处编辑母版标题样式</a:t>
             </a:r>
+            <a:endParaRPr lang="zh-CN" altLang="en-US"/>
           </a:p>
         </p:txBody>
       </p:sp>
     </p:spTree>
-    <p:extLst>
-      <p:ext uri="{BB962C8B-B14F-4D97-AF65-F5344CB8AC3E}">
-        <p14:creationId xmlns:p14="http://schemas.microsoft.com/office/powerpoint/2010/main" val="2687689974"/>
-      </p:ext>
-    </p:extLst>
   </p:cSld>
   <p:clrMapOvr>
     <a:masterClrMapping/>
@@ -3273,8 +3245,8 @@
           <a:lstStyle>
             <a:lvl1pPr algn="r">
               <a:defRPr sz="2800">
-                <a:latin typeface="微软雅黑" pitchFamily="34" charset="-122"/>
-                <a:ea typeface="微软雅黑" pitchFamily="34" charset="-122"/>
+                <a:latin typeface="微软雅黑" panose="020B0503020204020204" pitchFamily="34" charset="-122"/>
+                <a:ea typeface="微软雅黑" panose="020B0503020204020204" pitchFamily="34" charset="-122"/>
               </a:defRPr>
             </a:lvl1pPr>
           </a:lstStyle>
@@ -3303,32 +3275,32 @@
           <a:lstStyle>
             <a:lvl1pPr>
               <a:defRPr b="1">
-                <a:latin typeface="黑体" pitchFamily="49" charset="-122"/>
-                <a:ea typeface="黑体" pitchFamily="49" charset="-122"/>
+                <a:latin typeface="黑体" panose="02010609060101010101" pitchFamily="49" charset="-122"/>
+                <a:ea typeface="黑体" panose="02010609060101010101" pitchFamily="49" charset="-122"/>
               </a:defRPr>
             </a:lvl1pPr>
             <a:lvl2pPr>
               <a:defRPr b="1">
-                <a:latin typeface="黑体" pitchFamily="49" charset="-122"/>
-                <a:ea typeface="黑体" pitchFamily="49" charset="-122"/>
+                <a:latin typeface="黑体" panose="02010609060101010101" pitchFamily="49" charset="-122"/>
+                <a:ea typeface="黑体" panose="02010609060101010101" pitchFamily="49" charset="-122"/>
               </a:defRPr>
             </a:lvl2pPr>
             <a:lvl3pPr>
               <a:defRPr b="1">
-                <a:latin typeface="黑体" pitchFamily="49" charset="-122"/>
-                <a:ea typeface="黑体" pitchFamily="49" charset="-122"/>
+                <a:latin typeface="黑体" panose="02010609060101010101" pitchFamily="49" charset="-122"/>
+                <a:ea typeface="黑体" panose="02010609060101010101" pitchFamily="49" charset="-122"/>
               </a:defRPr>
             </a:lvl3pPr>
             <a:lvl4pPr>
               <a:defRPr b="1">
-                <a:latin typeface="黑体" pitchFamily="49" charset="-122"/>
-                <a:ea typeface="黑体" pitchFamily="49" charset="-122"/>
+                <a:latin typeface="黑体" panose="02010609060101010101" pitchFamily="49" charset="-122"/>
+                <a:ea typeface="黑体" panose="02010609060101010101" pitchFamily="49" charset="-122"/>
               </a:defRPr>
             </a:lvl4pPr>
             <a:lvl5pPr>
               <a:defRPr b="1">
-                <a:latin typeface="黑体" pitchFamily="49" charset="-122"/>
-                <a:ea typeface="黑体" pitchFamily="49" charset="-122"/>
+                <a:latin typeface="黑体" panose="02010609060101010101" pitchFamily="49" charset="-122"/>
+                <a:ea typeface="黑体" panose="02010609060101010101" pitchFamily="49" charset="-122"/>
               </a:defRPr>
             </a:lvl5pPr>
           </a:lstStyle>
@@ -3338,6 +3310,7 @@
               <a:rPr lang="zh-CN" altLang="en-US"/>
               <a:t>单击此处编辑母版文本样式</a:t>
             </a:r>
+            <a:endParaRPr lang="zh-CN" altLang="en-US"/>
           </a:p>
           <a:p>
             <a:pPr lvl="1"/>
@@ -3345,6 +3318,7 @@
               <a:rPr lang="zh-CN" altLang="en-US"/>
               <a:t>二级</a:t>
             </a:r>
+            <a:endParaRPr lang="zh-CN" altLang="en-US"/>
           </a:p>
           <a:p>
             <a:pPr lvl="2"/>
@@ -3352,6 +3326,7 @@
               <a:rPr lang="zh-CN" altLang="en-US"/>
               <a:t>三级</a:t>
             </a:r>
+            <a:endParaRPr lang="zh-CN" altLang="en-US"/>
           </a:p>
           <a:p>
             <a:pPr lvl="3"/>
@@ -3359,6 +3334,7 @@
               <a:rPr lang="zh-CN" altLang="en-US"/>
               <a:t>四级</a:t>
             </a:r>
+            <a:endParaRPr lang="zh-CN" altLang="en-US"/>
           </a:p>
           <a:p>
             <a:pPr lvl="4"/>
@@ -3366,15 +3342,11 @@
               <a:rPr lang="zh-CN" altLang="en-US"/>
               <a:t>五级</a:t>
             </a:r>
+            <a:endParaRPr lang="zh-CN" altLang="en-US"/>
           </a:p>
         </p:txBody>
       </p:sp>
     </p:spTree>
-    <p:extLst>
-      <p:ext uri="{BB962C8B-B14F-4D97-AF65-F5344CB8AC3E}">
-        <p14:creationId xmlns:p14="http://schemas.microsoft.com/office/powerpoint/2010/main" val="389507758"/>
-      </p:ext>
-    </p:extLst>
   </p:cSld>
   <p:clrMapOvr>
     <a:masterClrMapping/>
@@ -3537,7 +3509,7 @@
                 <a:cs typeface="Arial Unicode MS" panose="020B0604020202020204" pitchFamily="34" charset="-122"/>
               </a:defRPr>
             </a:lvl1pPr>
-            <a:lvl2pPr marL="362808" indent="0" algn="ctr">
+            <a:lvl2pPr marL="362585" indent="0" algn="ctr">
               <a:buNone/>
               <a:defRPr>
                 <a:solidFill>
@@ -3547,7 +3519,7 @@
                 </a:solidFill>
               </a:defRPr>
             </a:lvl2pPr>
-            <a:lvl3pPr marL="725617" indent="0" algn="ctr">
+            <a:lvl3pPr marL="725805" indent="0" algn="ctr">
               <a:buNone/>
               <a:defRPr>
                 <a:solidFill>
@@ -3557,7 +3529,7 @@
                 </a:solidFill>
               </a:defRPr>
             </a:lvl3pPr>
-            <a:lvl4pPr marL="1088425" indent="0" algn="ctr">
+            <a:lvl4pPr marL="1088390" indent="0" algn="ctr">
               <a:buNone/>
               <a:defRPr>
                 <a:solidFill>
@@ -3567,7 +3539,7 @@
                 </a:solidFill>
               </a:defRPr>
             </a:lvl4pPr>
-            <a:lvl5pPr marL="1451233" indent="0" algn="ctr">
+            <a:lvl5pPr marL="1450975" indent="0" algn="ctr">
               <a:buNone/>
               <a:defRPr>
                 <a:solidFill>
@@ -3577,7 +3549,7 @@
                 </a:solidFill>
               </a:defRPr>
             </a:lvl5pPr>
-            <a:lvl6pPr marL="1814042" indent="0" algn="ctr">
+            <a:lvl6pPr marL="1814195" indent="0" algn="ctr">
               <a:buNone/>
               <a:defRPr>
                 <a:solidFill>
@@ -3587,7 +3559,7 @@
                 </a:solidFill>
               </a:defRPr>
             </a:lvl6pPr>
-            <a:lvl7pPr marL="2176851" indent="0" algn="ctr">
+            <a:lvl7pPr marL="2176780" indent="0" algn="ctr">
               <a:buNone/>
               <a:defRPr>
                 <a:solidFill>
@@ -3597,7 +3569,7 @@
                 </a:solidFill>
               </a:defRPr>
             </a:lvl7pPr>
-            <a:lvl8pPr marL="2539659" indent="0" algn="ctr">
+            <a:lvl8pPr marL="2539365" indent="0" algn="ctr">
               <a:buNone/>
               <a:defRPr>
                 <a:solidFill>
@@ -3607,7 +3579,7 @@
                 </a:solidFill>
               </a:defRPr>
             </a:lvl8pPr>
-            <a:lvl9pPr marL="2902467" indent="0" algn="ctr">
+            <a:lvl9pPr marL="2902585" indent="0" algn="ctr">
               <a:buNone/>
               <a:defRPr>
                 <a:solidFill>
@@ -6183,8 +6155,6 @@
           <a:ln w="9525" algn="ctr">
             <a:noFill/>
             <a:miter lim="800000"/>
-            <a:headEnd/>
-            <a:tailEnd/>
           </a:ln>
         </p:spPr>
         <p:txBody>
@@ -6217,7 +6187,7 @@
               </a:rPr>
               <a:t>忠信笃敬  知行合一  自强不息  和而不同</a:t>
             </a:r>
-            <a:endParaRPr lang="zh-CN" altLang="en-US" sz="952" dirty="0">
+            <a:endParaRPr lang="zh-CN" altLang="en-US" sz="950" dirty="0">
               <a:solidFill>
                 <a:prstClr val="white">
                   <a:lumMod val="85000"/>
@@ -8401,11 +8371,6 @@
         </p:spPr>
       </p:pic>
     </p:spTree>
-    <p:extLst>
-      <p:ext uri="{BB962C8B-B14F-4D97-AF65-F5344CB8AC3E}">
-        <p14:creationId xmlns:p14="http://schemas.microsoft.com/office/powerpoint/2010/main" val="3721025307"/>
-      </p:ext>
-    </p:extLst>
   </p:cSld>
   <p:clrMapOvr>
     <a:masterClrMapping/>
@@ -8536,6 +8501,7 @@
               <a:rPr lang="zh-CN" altLang="en-US"/>
               <a:t>单击此处编辑母版文本样式</a:t>
             </a:r>
+            <a:endParaRPr lang="zh-CN" altLang="en-US"/>
           </a:p>
           <a:p>
             <a:pPr lvl="1"/>
@@ -8543,6 +8509,7 @@
               <a:rPr lang="zh-CN" altLang="en-US"/>
               <a:t>二级</a:t>
             </a:r>
+            <a:endParaRPr lang="zh-CN" altLang="en-US"/>
           </a:p>
           <a:p>
             <a:pPr lvl="2"/>
@@ -8550,6 +8517,7 @@
               <a:rPr lang="zh-CN" altLang="en-US"/>
               <a:t>三级</a:t>
             </a:r>
+            <a:endParaRPr lang="zh-CN" altLang="en-US"/>
           </a:p>
           <a:p>
             <a:pPr lvl="3"/>
@@ -8557,6 +8525,7 @@
               <a:rPr lang="zh-CN" altLang="en-US"/>
               <a:t>四级</a:t>
             </a:r>
+            <a:endParaRPr lang="zh-CN" altLang="en-US"/>
           </a:p>
           <a:p>
             <a:pPr lvl="4"/>
@@ -8564,6 +8533,7 @@
               <a:rPr lang="zh-CN" altLang="en-US"/>
               <a:t>五级</a:t>
             </a:r>
+            <a:endParaRPr lang="zh-CN" altLang="en-US"/>
           </a:p>
         </p:txBody>
       </p:sp>
@@ -8608,22 +8578,17 @@
         </p:txBody>
       </p:sp>
     </p:spTree>
-    <p:extLst>
-      <p:ext uri="{BB962C8B-B14F-4D97-AF65-F5344CB8AC3E}">
-        <p14:creationId xmlns:p14="http://schemas.microsoft.com/office/powerpoint/2010/main" val="301304363"/>
-      </p:ext>
-    </p:extLst>
   </p:cSld>
   <p:clrMapOvr>
     <a:masterClrMapping/>
   </p:clrMapOvr>
-  <mc:AlternateContent xmlns:mc="http://schemas.openxmlformats.org/markup-compatibility/2006" xmlns:p14="http://schemas.microsoft.com/office/powerpoint/2010/main">
-    <mc:Choice Requires="p14">
+  <mc:AlternateContent xmlns:mc="http://schemas.openxmlformats.org/markup-compatibility/2006">
+    <mc:Choice xmlns:p14="http://schemas.microsoft.com/office/powerpoint/2010/main" Requires="p14">
       <p:transition spd="slow" p14:dur="1600">
         <p:blinds dir="vert"/>
       </p:transition>
     </mc:Choice>
-    <mc:Fallback xmlns="">
+    <mc:Fallback>
       <p:transition spd="slow">
         <p:blinds dir="vert"/>
       </p:transition>
@@ -8707,31 +8672,31 @@
           <a:bodyPr/>
           <a:lstStyle>
             <a:lvl1pPr>
-              <a:defRPr sz="2222"/>
+              <a:defRPr sz="2220"/>
             </a:lvl1pPr>
             <a:lvl2pPr>
               <a:defRPr sz="1905"/>
             </a:lvl2pPr>
             <a:lvl3pPr>
-              <a:defRPr sz="1587"/>
+              <a:defRPr sz="1585"/>
             </a:lvl3pPr>
             <a:lvl4pPr>
-              <a:defRPr sz="1429"/>
+              <a:defRPr sz="1430"/>
             </a:lvl4pPr>
             <a:lvl5pPr>
-              <a:defRPr sz="1429"/>
+              <a:defRPr sz="1430"/>
             </a:lvl5pPr>
             <a:lvl6pPr>
-              <a:defRPr sz="1429"/>
+              <a:defRPr sz="1430"/>
             </a:lvl6pPr>
             <a:lvl7pPr>
-              <a:defRPr sz="1429"/>
+              <a:defRPr sz="1430"/>
             </a:lvl7pPr>
             <a:lvl8pPr>
-              <a:defRPr sz="1429"/>
+              <a:defRPr sz="1430"/>
             </a:lvl8pPr>
             <a:lvl9pPr>
-              <a:defRPr sz="1429"/>
+              <a:defRPr sz="1430"/>
             </a:lvl9pPr>
           </a:lstStyle>
           <a:p>
@@ -8740,6 +8705,7 @@
               <a:rPr lang="zh-CN" altLang="en-US"/>
               <a:t>单击此处编辑母版文本样式</a:t>
             </a:r>
+            <a:endParaRPr lang="zh-CN" altLang="en-US"/>
           </a:p>
           <a:p>
             <a:pPr lvl="1"/>
@@ -8747,6 +8713,7 @@
               <a:rPr lang="zh-CN" altLang="en-US"/>
               <a:t>二级</a:t>
             </a:r>
+            <a:endParaRPr lang="zh-CN" altLang="en-US"/>
           </a:p>
           <a:p>
             <a:pPr lvl="2"/>
@@ -8754,6 +8721,7 @@
               <a:rPr lang="zh-CN" altLang="en-US"/>
               <a:t>三级</a:t>
             </a:r>
+            <a:endParaRPr lang="zh-CN" altLang="en-US"/>
           </a:p>
           <a:p>
             <a:pPr lvl="3"/>
@@ -8761,6 +8729,7 @@
               <a:rPr lang="zh-CN" altLang="en-US"/>
               <a:t>四级</a:t>
             </a:r>
+            <a:endParaRPr lang="zh-CN" altLang="en-US"/>
           </a:p>
           <a:p>
             <a:pPr lvl="4"/>
@@ -8768,6 +8737,7 @@
               <a:rPr lang="zh-CN" altLang="en-US"/>
               <a:t>五级</a:t>
             </a:r>
+            <a:endParaRPr lang="zh-CN" altLang="en-US"/>
           </a:p>
         </p:txBody>
       </p:sp>
@@ -8791,31 +8761,31 @@
           <a:bodyPr/>
           <a:lstStyle>
             <a:lvl1pPr>
-              <a:defRPr sz="2222"/>
+              <a:defRPr sz="2220"/>
             </a:lvl1pPr>
             <a:lvl2pPr>
               <a:defRPr sz="1905"/>
             </a:lvl2pPr>
             <a:lvl3pPr>
-              <a:defRPr sz="1587"/>
+              <a:defRPr sz="1585"/>
             </a:lvl3pPr>
             <a:lvl4pPr>
-              <a:defRPr sz="1429"/>
+              <a:defRPr sz="1430"/>
             </a:lvl4pPr>
             <a:lvl5pPr>
-              <a:defRPr sz="1429"/>
+              <a:defRPr sz="1430"/>
             </a:lvl5pPr>
             <a:lvl6pPr>
-              <a:defRPr sz="1429"/>
+              <a:defRPr sz="1430"/>
             </a:lvl6pPr>
             <a:lvl7pPr>
-              <a:defRPr sz="1429"/>
+              <a:defRPr sz="1430"/>
             </a:lvl7pPr>
             <a:lvl8pPr>
-              <a:defRPr sz="1429"/>
+              <a:defRPr sz="1430"/>
             </a:lvl8pPr>
             <a:lvl9pPr>
-              <a:defRPr sz="1429"/>
+              <a:defRPr sz="1430"/>
             </a:lvl9pPr>
           </a:lstStyle>
           <a:p>
@@ -8824,6 +8794,7 @@
               <a:rPr lang="zh-CN" altLang="en-US"/>
               <a:t>单击此处编辑母版文本样式</a:t>
             </a:r>
+            <a:endParaRPr lang="zh-CN" altLang="en-US"/>
           </a:p>
           <a:p>
             <a:pPr lvl="1"/>
@@ -8831,6 +8802,7 @@
               <a:rPr lang="zh-CN" altLang="en-US"/>
               <a:t>二级</a:t>
             </a:r>
+            <a:endParaRPr lang="zh-CN" altLang="en-US"/>
           </a:p>
           <a:p>
             <a:pPr lvl="2"/>
@@ -8838,6 +8810,7 @@
               <a:rPr lang="zh-CN" altLang="en-US"/>
               <a:t>三级</a:t>
             </a:r>
+            <a:endParaRPr lang="zh-CN" altLang="en-US"/>
           </a:p>
           <a:p>
             <a:pPr lvl="3"/>
@@ -8845,6 +8818,7 @@
               <a:rPr lang="zh-CN" altLang="en-US"/>
               <a:t>四级</a:t>
             </a:r>
+            <a:endParaRPr lang="zh-CN" altLang="en-US"/>
           </a:p>
           <a:p>
             <a:pPr lvl="4"/>
@@ -8852,26 +8826,22 @@
               <a:rPr lang="zh-CN" altLang="en-US"/>
               <a:t>五级</a:t>
             </a:r>
+            <a:endParaRPr lang="zh-CN" altLang="en-US"/>
           </a:p>
         </p:txBody>
       </p:sp>
     </p:spTree>
-    <p:extLst>
-      <p:ext uri="{BB962C8B-B14F-4D97-AF65-F5344CB8AC3E}">
-        <p14:creationId xmlns:p14="http://schemas.microsoft.com/office/powerpoint/2010/main" val="1592371276"/>
-      </p:ext>
-    </p:extLst>
   </p:cSld>
   <p:clrMapOvr>
     <a:masterClrMapping/>
   </p:clrMapOvr>
-  <mc:AlternateContent xmlns:mc="http://schemas.openxmlformats.org/markup-compatibility/2006" xmlns:p14="http://schemas.microsoft.com/office/powerpoint/2010/main">
-    <mc:Choice Requires="p14">
+  <mc:AlternateContent xmlns:mc="http://schemas.openxmlformats.org/markup-compatibility/2006">
+    <mc:Choice xmlns:p14="http://schemas.microsoft.com/office/powerpoint/2010/main" Requires="p14">
       <p:transition spd="slow" p14:dur="1600">
         <p:blinds dir="vert"/>
       </p:transition>
     </mc:Choice>
-    <mc:Fallback xmlns="">
+    <mc:Fallback>
       <p:transition spd="slow">
         <p:blinds dir="vert"/>
       </p:transition>
@@ -8958,35 +8928,35 @@
               <a:buNone/>
               <a:defRPr sz="1905" b="1"/>
             </a:lvl1pPr>
-            <a:lvl2pPr marL="362808" indent="0">
+            <a:lvl2pPr marL="362585" indent="0">
               <a:buNone/>
-              <a:defRPr sz="1587" b="1"/>
+              <a:defRPr sz="1585" b="1"/>
             </a:lvl2pPr>
-            <a:lvl3pPr marL="725617" indent="0">
+            <a:lvl3pPr marL="725805" indent="0">
               <a:buNone/>
-              <a:defRPr sz="1429" b="1"/>
+              <a:defRPr sz="1430" b="1"/>
             </a:lvl3pPr>
-            <a:lvl4pPr marL="1088425" indent="0">
+            <a:lvl4pPr marL="1088390" indent="0">
               <a:buNone/>
               <a:defRPr sz="1270" b="1"/>
             </a:lvl4pPr>
-            <a:lvl5pPr marL="1451233" indent="0">
+            <a:lvl5pPr marL="1450975" indent="0">
               <a:buNone/>
               <a:defRPr sz="1270" b="1"/>
             </a:lvl5pPr>
-            <a:lvl6pPr marL="1814042" indent="0">
+            <a:lvl6pPr marL="1814195" indent="0">
               <a:buNone/>
               <a:defRPr sz="1270" b="1"/>
             </a:lvl6pPr>
-            <a:lvl7pPr marL="2176851" indent="0">
+            <a:lvl7pPr marL="2176780" indent="0">
               <a:buNone/>
               <a:defRPr sz="1270" b="1"/>
             </a:lvl7pPr>
-            <a:lvl8pPr marL="2539659" indent="0">
+            <a:lvl8pPr marL="2539365" indent="0">
               <a:buNone/>
               <a:defRPr sz="1270" b="1"/>
             </a:lvl8pPr>
-            <a:lvl9pPr marL="2902467" indent="0">
+            <a:lvl9pPr marL="2902585" indent="0">
               <a:buNone/>
               <a:defRPr sz="1270" b="1"/>
             </a:lvl9pPr>
@@ -8997,6 +8967,7 @@
               <a:rPr lang="zh-CN" altLang="en-US"/>
               <a:t>单击此处编辑母版文本样式</a:t>
             </a:r>
+            <a:endParaRPr lang="zh-CN" altLang="en-US"/>
           </a:p>
         </p:txBody>
       </p:sp>
@@ -9023,10 +8994,10 @@
               <a:defRPr sz="1905"/>
             </a:lvl1pPr>
             <a:lvl2pPr>
-              <a:defRPr sz="1587"/>
+              <a:defRPr sz="1585"/>
             </a:lvl2pPr>
             <a:lvl3pPr>
-              <a:defRPr sz="1429"/>
+              <a:defRPr sz="1430"/>
             </a:lvl3pPr>
             <a:lvl4pPr>
               <a:defRPr sz="1270"/>
@@ -9053,6 +9024,7 @@
               <a:rPr lang="zh-CN" altLang="en-US"/>
               <a:t>单击此处编辑母版文本样式</a:t>
             </a:r>
+            <a:endParaRPr lang="zh-CN" altLang="en-US"/>
           </a:p>
           <a:p>
             <a:pPr lvl="1"/>
@@ -9060,6 +9032,7 @@
               <a:rPr lang="zh-CN" altLang="en-US"/>
               <a:t>二级</a:t>
             </a:r>
+            <a:endParaRPr lang="zh-CN" altLang="en-US"/>
           </a:p>
           <a:p>
             <a:pPr lvl="2"/>
@@ -9067,6 +9040,7 @@
               <a:rPr lang="zh-CN" altLang="en-US"/>
               <a:t>三级</a:t>
             </a:r>
+            <a:endParaRPr lang="zh-CN" altLang="en-US"/>
           </a:p>
           <a:p>
             <a:pPr lvl="3"/>
@@ -9074,6 +9048,7 @@
               <a:rPr lang="zh-CN" altLang="en-US"/>
               <a:t>四级</a:t>
             </a:r>
+            <a:endParaRPr lang="zh-CN" altLang="en-US"/>
           </a:p>
           <a:p>
             <a:pPr lvl="4"/>
@@ -9081,6 +9056,7 @@
               <a:rPr lang="zh-CN" altLang="en-US"/>
               <a:t>五级</a:t>
             </a:r>
+            <a:endParaRPr lang="zh-CN" altLang="en-US"/>
           </a:p>
         </p:txBody>
       </p:sp>
@@ -9107,35 +9083,35 @@
               <a:buNone/>
               <a:defRPr sz="1905" b="1"/>
             </a:lvl1pPr>
-            <a:lvl2pPr marL="362808" indent="0">
+            <a:lvl2pPr marL="362585" indent="0">
               <a:buNone/>
-              <a:defRPr sz="1587" b="1"/>
+              <a:defRPr sz="1585" b="1"/>
             </a:lvl2pPr>
-            <a:lvl3pPr marL="725617" indent="0">
+            <a:lvl3pPr marL="725805" indent="0">
               <a:buNone/>
-              <a:defRPr sz="1429" b="1"/>
+              <a:defRPr sz="1430" b="1"/>
             </a:lvl3pPr>
-            <a:lvl4pPr marL="1088425" indent="0">
+            <a:lvl4pPr marL="1088390" indent="0">
               <a:buNone/>
               <a:defRPr sz="1270" b="1"/>
             </a:lvl4pPr>
-            <a:lvl5pPr marL="1451233" indent="0">
+            <a:lvl5pPr marL="1450975" indent="0">
               <a:buNone/>
               <a:defRPr sz="1270" b="1"/>
             </a:lvl5pPr>
-            <a:lvl6pPr marL="1814042" indent="0">
+            <a:lvl6pPr marL="1814195" indent="0">
               <a:buNone/>
               <a:defRPr sz="1270" b="1"/>
             </a:lvl6pPr>
-            <a:lvl7pPr marL="2176851" indent="0">
+            <a:lvl7pPr marL="2176780" indent="0">
               <a:buNone/>
               <a:defRPr sz="1270" b="1"/>
             </a:lvl7pPr>
-            <a:lvl8pPr marL="2539659" indent="0">
+            <a:lvl8pPr marL="2539365" indent="0">
               <a:buNone/>
               <a:defRPr sz="1270" b="1"/>
             </a:lvl8pPr>
-            <a:lvl9pPr marL="2902467" indent="0">
+            <a:lvl9pPr marL="2902585" indent="0">
               <a:buNone/>
               <a:defRPr sz="1270" b="1"/>
             </a:lvl9pPr>
@@ -9146,6 +9122,7 @@
               <a:rPr lang="zh-CN" altLang="en-US"/>
               <a:t>单击此处编辑母版文本样式</a:t>
             </a:r>
+            <a:endParaRPr lang="zh-CN" altLang="en-US"/>
           </a:p>
         </p:txBody>
       </p:sp>
@@ -9172,10 +9149,10 @@
               <a:defRPr sz="1905"/>
             </a:lvl1pPr>
             <a:lvl2pPr>
-              <a:defRPr sz="1587"/>
+              <a:defRPr sz="1585"/>
             </a:lvl2pPr>
             <a:lvl3pPr>
-              <a:defRPr sz="1429"/>
+              <a:defRPr sz="1430"/>
             </a:lvl3pPr>
             <a:lvl4pPr>
               <a:defRPr sz="1270"/>
@@ -9202,6 +9179,7 @@
               <a:rPr lang="zh-CN" altLang="en-US"/>
               <a:t>单击此处编辑母版文本样式</a:t>
             </a:r>
+            <a:endParaRPr lang="zh-CN" altLang="en-US"/>
           </a:p>
           <a:p>
             <a:pPr lvl="1"/>
@@ -9209,6 +9187,7 @@
               <a:rPr lang="zh-CN" altLang="en-US"/>
               <a:t>二级</a:t>
             </a:r>
+            <a:endParaRPr lang="zh-CN" altLang="en-US"/>
           </a:p>
           <a:p>
             <a:pPr lvl="2"/>
@@ -9216,6 +9195,7 @@
               <a:rPr lang="zh-CN" altLang="en-US"/>
               <a:t>三级</a:t>
             </a:r>
+            <a:endParaRPr lang="zh-CN" altLang="en-US"/>
           </a:p>
           <a:p>
             <a:pPr lvl="3"/>
@@ -9223,6 +9203,7 @@
               <a:rPr lang="zh-CN" altLang="en-US"/>
               <a:t>四级</a:t>
             </a:r>
+            <a:endParaRPr lang="zh-CN" altLang="en-US"/>
           </a:p>
           <a:p>
             <a:pPr lvl="4"/>
@@ -9230,26 +9211,22 @@
               <a:rPr lang="zh-CN" altLang="en-US"/>
               <a:t>五级</a:t>
             </a:r>
+            <a:endParaRPr lang="zh-CN" altLang="en-US"/>
           </a:p>
         </p:txBody>
       </p:sp>
     </p:spTree>
-    <p:extLst>
-      <p:ext uri="{BB962C8B-B14F-4D97-AF65-F5344CB8AC3E}">
-        <p14:creationId xmlns:p14="http://schemas.microsoft.com/office/powerpoint/2010/main" val="2568532511"/>
-      </p:ext>
-    </p:extLst>
   </p:cSld>
   <p:clrMapOvr>
     <a:masterClrMapping/>
   </p:clrMapOvr>
-  <mc:AlternateContent xmlns:mc="http://schemas.openxmlformats.org/markup-compatibility/2006" xmlns:p14="http://schemas.microsoft.com/office/powerpoint/2010/main">
-    <mc:Choice Requires="p14">
+  <mc:AlternateContent xmlns:mc="http://schemas.openxmlformats.org/markup-compatibility/2006">
+    <mc:Choice xmlns:p14="http://schemas.microsoft.com/office/powerpoint/2010/main" Requires="p14">
       <p:transition spd="slow" p14:dur="1600">
         <p:blinds dir="vert"/>
       </p:transition>
     </mc:Choice>
-    <mc:Fallback xmlns="">
+    <mc:Fallback>
       <p:transition spd="slow">
         <p:blinds dir="vert"/>
       </p:transition>
@@ -9294,26 +9271,22 @@
               <a:rPr lang="zh-CN" altLang="en-US"/>
               <a:t>单击此处编辑母版标题样式</a:t>
             </a:r>
+            <a:endParaRPr lang="zh-CN" altLang="en-US"/>
           </a:p>
         </p:txBody>
       </p:sp>
     </p:spTree>
-    <p:extLst>
-      <p:ext uri="{BB962C8B-B14F-4D97-AF65-F5344CB8AC3E}">
-        <p14:creationId xmlns:p14="http://schemas.microsoft.com/office/powerpoint/2010/main" val="3978802437"/>
-      </p:ext>
-    </p:extLst>
   </p:cSld>
   <p:clrMapOvr>
     <a:masterClrMapping/>
   </p:clrMapOvr>
-  <mc:AlternateContent xmlns:mc="http://schemas.openxmlformats.org/markup-compatibility/2006" xmlns:p14="http://schemas.microsoft.com/office/powerpoint/2010/main">
-    <mc:Choice Requires="p14">
+  <mc:AlternateContent xmlns:mc="http://schemas.openxmlformats.org/markup-compatibility/2006">
+    <mc:Choice xmlns:p14="http://schemas.microsoft.com/office/powerpoint/2010/main" Requires="p14">
       <p:transition spd="slow" p14:dur="1600">
         <p:blinds dir="vert"/>
       </p:transition>
     </mc:Choice>
-    <mc:Fallback xmlns="">
+    <mc:Fallback>
       <p:transition spd="slow">
         <p:blinds dir="vert"/>
       </p:transition>
@@ -9356,7 +9329,7 @@
           <p:nvPr/>
         </p:nvPicPr>
         <p:blipFill>
-          <a:blip r:embed="rId6">
+          <a:blip r:embed="rId5">
             <a:extLst>
               <a:ext uri="{28A0092B-C50C-407E-A947-70E740481C1C}">
                 <a14:useLocalDpi xmlns:a14="http://schemas.microsoft.com/office/drawing/2010/main" val="0"/>
@@ -9410,7 +9383,7 @@
           <p:nvPr/>
         </p:nvPicPr>
         <p:blipFill>
-          <a:blip r:embed="rId7">
+          <a:blip r:embed="rId6">
             <a:extLst>
               <a:ext uri="{28A0092B-C50C-407E-A947-70E740481C1C}">
                 <a14:useLocalDpi xmlns:a14="http://schemas.microsoft.com/office/drawing/2010/main" val="0"/>
@@ -9464,7 +9437,7 @@
           <p:nvPr/>
         </p:nvPicPr>
         <p:blipFill>
-          <a:blip r:embed="rId8">
+          <a:blip r:embed="rId7">
             <a:extLst>
               <a:ext uri="{28A0092B-C50C-407E-A947-70E740481C1C}">
                 <a14:useLocalDpi xmlns:a14="http://schemas.microsoft.com/office/drawing/2010/main" val="0"/>
@@ -9518,7 +9491,7 @@
           <p:nvPr/>
         </p:nvPicPr>
         <p:blipFill>
-          <a:blip r:embed="rId9">
+          <a:blip r:embed="rId8">
             <a:extLst>
               <a:ext uri="{28A0092B-C50C-407E-A947-70E740481C1C}">
                 <a14:useLocalDpi xmlns:a14="http://schemas.microsoft.com/office/drawing/2010/main" val="0"/>
@@ -9597,8 +9570,6 @@
           <a:ln w="9525">
             <a:noFill/>
             <a:miter lim="800000"/>
-            <a:headEnd/>
-            <a:tailEnd/>
           </a:ln>
         </p:spPr>
         <p:txBody>
@@ -9655,11 +9626,7 @@
           </a:extLst>
         </p:spPr>
         <p:txBody>
-          <a:bodyPr vert="horz" wrap="square" lIns="91440" tIns="45720" rIns="91440" bIns="45720" numCol="1" anchor="t" anchorCtr="0" compatLnSpc="1">
-            <a:prstTxWarp prst="textNoShape">
-              <a:avLst/>
-            </a:prstTxWarp>
-          </a:bodyPr>
+          <a:bodyPr vert="horz" wrap="square" lIns="91440" tIns="45720" rIns="91440" bIns="45720" numCol="1" anchor="t" anchorCtr="0" compatLnSpc="1"/>
           <a:lstStyle/>
           <a:p>
             <a:pPr lvl="0"/>
@@ -9667,6 +9634,7 @@
               <a:rPr lang="zh-CN" altLang="en-US"/>
               <a:t>单击此处编辑母版文本样式</a:t>
             </a:r>
+            <a:endParaRPr lang="zh-CN" altLang="en-US"/>
           </a:p>
           <a:p>
             <a:pPr lvl="1"/>
@@ -9674,6 +9642,7 @@
               <a:rPr lang="zh-CN" altLang="en-US"/>
               <a:t>第二级</a:t>
             </a:r>
+            <a:endParaRPr lang="zh-CN" altLang="en-US"/>
           </a:p>
           <a:p>
             <a:pPr lvl="2"/>
@@ -9681,6 +9650,7 @@
               <a:rPr lang="zh-CN" altLang="en-US"/>
               <a:t>第三级</a:t>
             </a:r>
+            <a:endParaRPr lang="zh-CN" altLang="en-US"/>
           </a:p>
           <a:p>
             <a:pPr lvl="3"/>
@@ -9688,6 +9658,7 @@
               <a:rPr lang="zh-CN" altLang="en-US"/>
               <a:t>第四级</a:t>
             </a:r>
+            <a:endParaRPr lang="zh-CN" altLang="en-US"/>
           </a:p>
           <a:p>
             <a:pPr lvl="4"/>
@@ -9695,6 +9666,7 @@
               <a:rPr lang="zh-CN" altLang="en-US"/>
               <a:t>第五级</a:t>
             </a:r>
+            <a:endParaRPr lang="zh-CN" altLang="en-US"/>
           </a:p>
         </p:txBody>
       </p:sp>
@@ -9707,7 +9679,7 @@
           <p:nvPr/>
         </p:nvPicPr>
         <p:blipFill>
-          <a:blip r:embed="rId10" cstate="print">
+          <a:blip r:embed="rId9" cstate="print">
             <a:extLst>
               <a:ext uri="{28A0092B-C50C-407E-A947-70E740481C1C}">
                 <a14:useLocalDpi xmlns:a14="http://schemas.microsoft.com/office/drawing/2010/main" val="0"/>
@@ -9740,18 +9712,13 @@
         </p:spPr>
       </p:pic>
     </p:spTree>
-    <p:extLst>
-      <p:ext uri="{BB962C8B-B14F-4D97-AF65-F5344CB8AC3E}">
-        <p14:creationId xmlns:p14="http://schemas.microsoft.com/office/powerpoint/2010/main" val="2416450882"/>
-      </p:ext>
-    </p:extLst>
   </p:cSld>
   <p:clrMap bg1="lt1" tx1="dk1" bg2="lt2" tx2="dk2" accent1="accent1" accent2="accent2" accent3="accent3" accent4="accent4" accent5="accent5" accent6="accent6" hlink="hlink" folHlink="folHlink"/>
   <p:sldLayoutIdLst>
-    <p:sldLayoutId id="2147483841" r:id="rId1"/>
-    <p:sldLayoutId id="2147483842" r:id="rId2"/>
-    <p:sldLayoutId id="2147483843" r:id="rId3"/>
-    <p:sldLayoutId id="2147483844" r:id="rId4"/>
+    <p:sldLayoutId id="2147483649" r:id="rId1"/>
+    <p:sldLayoutId id="2147483650" r:id="rId2"/>
+    <p:sldLayoutId id="2147483651" r:id="rId3"/>
+    <p:sldLayoutId id="2147483652" r:id="rId4"/>
   </p:sldLayoutIdLst>
   <p:txStyles>
     <p:titleStyle>
@@ -10193,6 +10160,7 @@
               <a:rPr lang="zh-CN" altLang="en-US" dirty="0"/>
               <a:t>单击此处编辑母版文本样式</a:t>
             </a:r>
+            <a:endParaRPr lang="zh-CN" altLang="en-US" dirty="0"/>
           </a:p>
           <a:p>
             <a:pPr lvl="1"/>
@@ -10200,6 +10168,7 @@
               <a:rPr lang="zh-CN" altLang="en-US" dirty="0"/>
               <a:t>第二级</a:t>
             </a:r>
+            <a:endParaRPr lang="zh-CN" altLang="en-US" dirty="0"/>
           </a:p>
           <a:p>
             <a:pPr lvl="2"/>
@@ -10207,6 +10176,7 @@
               <a:rPr lang="zh-CN" altLang="en-US" dirty="0"/>
               <a:t>第三级</a:t>
             </a:r>
+            <a:endParaRPr lang="zh-CN" altLang="en-US" dirty="0"/>
           </a:p>
           <a:p>
             <a:pPr lvl="3"/>
@@ -10214,6 +10184,7 @@
               <a:rPr lang="zh-CN" altLang="en-US" dirty="0"/>
               <a:t>第四级</a:t>
             </a:r>
+            <a:endParaRPr lang="zh-CN" altLang="en-US" dirty="0"/>
           </a:p>
           <a:p>
             <a:pPr lvl="4"/>
@@ -10221,6 +10192,7 @@
               <a:rPr lang="zh-CN" altLang="en-US" dirty="0"/>
               <a:t>第五级</a:t>
             </a:r>
+            <a:endParaRPr lang="zh-CN" altLang="en-US" dirty="0"/>
           </a:p>
         </p:txBody>
       </p:sp>
@@ -11955,6 +11927,7 @@
               <a:rPr lang="zh-CN" altLang="en-US" dirty="0"/>
               <a:t>单击此处编辑母版标题样式</a:t>
             </a:r>
+            <a:endParaRPr lang="zh-CN" altLang="en-US" dirty="0"/>
           </a:p>
         </p:txBody>
       </p:sp>
@@ -14097,7 +14070,7 @@
           <p:nvPr/>
         </p:nvPicPr>
         <p:blipFill>
-          <a:blip r:embed="rId9" cstate="print">
+          <a:blip r:embed="rId8" cstate="print">
             <a:extLst>
               <a:ext uri="{28A0092B-C50C-407E-A947-70E740481C1C}">
                 <a14:useLocalDpi xmlns:a14="http://schemas.microsoft.com/office/drawing/2010/main" val="0"/>
@@ -14130,21 +14103,16 @@
         </p:spPr>
       </p:pic>
     </p:spTree>
-    <p:extLst>
-      <p:ext uri="{BB962C8B-B14F-4D97-AF65-F5344CB8AC3E}">
-        <p14:creationId xmlns:p14="http://schemas.microsoft.com/office/powerpoint/2010/main" val="2567712831"/>
-      </p:ext>
-    </p:extLst>
   </p:cSld>
   <p:clrMap bg1="lt1" tx1="dk1" bg2="lt2" tx2="dk2" accent1="accent1" accent2="accent2" accent3="accent3" accent4="accent4" accent5="accent5" accent6="accent6" hlink="hlink" folHlink="folHlink"/>
   <p:sldLayoutIdLst>
-    <p:sldLayoutId id="2147483916" r:id="rId1"/>
-    <p:sldLayoutId id="2147483917" r:id="rId2"/>
-    <p:sldLayoutId id="2147483918" r:id="rId3"/>
-    <p:sldLayoutId id="2147483919" r:id="rId4"/>
-    <p:sldLayoutId id="2147483920" r:id="rId5"/>
-    <p:sldLayoutId id="2147483921" r:id="rId6"/>
-    <p:sldLayoutId id="2147483922" r:id="rId7"/>
+    <p:sldLayoutId id="2147483654" r:id="rId1"/>
+    <p:sldLayoutId id="2147483655" r:id="rId2"/>
+    <p:sldLayoutId id="2147483656" r:id="rId3"/>
+    <p:sldLayoutId id="2147483657" r:id="rId4"/>
+    <p:sldLayoutId id="2147483658" r:id="rId5"/>
+    <p:sldLayoutId id="2147483659" r:id="rId6"/>
+    <p:sldLayoutId id="2147483660" r:id="rId7"/>
   </p:sldLayoutIdLst>
   <p:timing>
     <p:tnLst>
@@ -14778,7 +14746,7 @@
   </p:timing>
   <p:txStyles>
     <p:titleStyle>
-      <a:lvl1pPr algn="ctr" defTabSz="725617" rtl="0" eaLnBrk="1" latinLnBrk="0" hangingPunct="1">
+      <a:lvl1pPr algn="ctr" defTabSz="725805" rtl="0" eaLnBrk="1" latinLnBrk="0" hangingPunct="1">
         <a:spcBef>
           <a:spcPct val="0"/>
         </a:spcBef>
@@ -14801,7 +14769,7 @@
       </a:lvl1pPr>
     </p:titleStyle>
     <p:bodyStyle>
-      <a:lvl1pPr marL="272107" indent="-272107" algn="l" defTabSz="725617" rtl="0" eaLnBrk="1" latinLnBrk="0" hangingPunct="1">
+      <a:lvl1pPr marL="272415" indent="-272415" algn="l" defTabSz="725805" rtl="0" eaLnBrk="1" latinLnBrk="0" hangingPunct="1">
         <a:spcBef>
           <a:spcPct val="20000"/>
         </a:spcBef>
@@ -14816,13 +14784,13 @@
           <a:cs typeface="+mn-cs"/>
         </a:defRPr>
       </a:lvl1pPr>
-      <a:lvl2pPr marL="589563" indent="-226755" algn="l" defTabSz="725617" rtl="0" eaLnBrk="1" latinLnBrk="0" hangingPunct="1">
+      <a:lvl2pPr marL="589280" indent="-226695" algn="l" defTabSz="725805" rtl="0" eaLnBrk="1" latinLnBrk="0" hangingPunct="1">
         <a:spcBef>
           <a:spcPct val="20000"/>
         </a:spcBef>
         <a:buFont typeface="Arial" panose="020B0604020202020204" pitchFamily="34" charset="0"/>
         <a:buChar char="–"/>
-        <a:defRPr sz="2222" b="1" kern="1200">
+        <a:defRPr sz="2220" b="1" kern="1200">
           <a:solidFill>
             <a:schemeClr val="tx1"/>
           </a:solidFill>
@@ -14831,7 +14799,7 @@
           <a:cs typeface="+mn-cs"/>
         </a:defRPr>
       </a:lvl2pPr>
-      <a:lvl3pPr marL="907021" indent="-181404" algn="l" defTabSz="725617" rtl="0" eaLnBrk="1" latinLnBrk="0" hangingPunct="1">
+      <a:lvl3pPr marL="906780" indent="-181610" algn="l" defTabSz="725805" rtl="0" eaLnBrk="1" latinLnBrk="0" hangingPunct="1">
         <a:spcBef>
           <a:spcPct val="20000"/>
         </a:spcBef>
@@ -14846,13 +14814,13 @@
           <a:cs typeface="+mn-cs"/>
         </a:defRPr>
       </a:lvl3pPr>
-      <a:lvl4pPr marL="1269829" indent="-181404" algn="l" defTabSz="725617" rtl="0" eaLnBrk="1" latinLnBrk="0" hangingPunct="1">
+      <a:lvl4pPr marL="1270000" indent="-181610" algn="l" defTabSz="725805" rtl="0" eaLnBrk="1" latinLnBrk="0" hangingPunct="1">
         <a:spcBef>
           <a:spcPct val="20000"/>
         </a:spcBef>
         <a:buFont typeface="Arial" panose="020B0604020202020204" pitchFamily="34" charset="0"/>
         <a:buChar char="–"/>
-        <a:defRPr sz="1587" b="1" kern="1200">
+        <a:defRPr sz="1585" b="1" kern="1200">
           <a:solidFill>
             <a:schemeClr val="tx1"/>
           </a:solidFill>
@@ -14861,13 +14829,13 @@
           <a:cs typeface="+mn-cs"/>
         </a:defRPr>
       </a:lvl4pPr>
-      <a:lvl5pPr marL="1632638" indent="-181404" algn="l" defTabSz="725617" rtl="0" eaLnBrk="1" latinLnBrk="0" hangingPunct="1">
+      <a:lvl5pPr marL="1632585" indent="-181610" algn="l" defTabSz="725805" rtl="0" eaLnBrk="1" latinLnBrk="0" hangingPunct="1">
         <a:spcBef>
           <a:spcPct val="20000"/>
         </a:spcBef>
         <a:buFont typeface="Arial" panose="020B0604020202020204" pitchFamily="34" charset="0"/>
         <a:buChar char="»"/>
-        <a:defRPr sz="1587" b="1" kern="1200">
+        <a:defRPr sz="1585" b="1" kern="1200">
           <a:solidFill>
             <a:schemeClr val="tx1"/>
           </a:solidFill>
@@ -14876,13 +14844,13 @@
           <a:cs typeface="+mn-cs"/>
         </a:defRPr>
       </a:lvl5pPr>
-      <a:lvl6pPr marL="1995447" indent="-181404" algn="l" defTabSz="725617" rtl="0" eaLnBrk="1" latinLnBrk="0" hangingPunct="1">
+      <a:lvl6pPr marL="1995170" indent="-181610" algn="l" defTabSz="725805" rtl="0" eaLnBrk="1" latinLnBrk="0" hangingPunct="1">
         <a:spcBef>
           <a:spcPct val="20000"/>
         </a:spcBef>
         <a:buFont typeface="Arial" panose="020B0604020202020204" pitchFamily="34" charset="0"/>
         <a:buChar char="•"/>
-        <a:defRPr sz="1587" kern="1200">
+        <a:defRPr sz="1585" kern="1200">
           <a:solidFill>
             <a:schemeClr val="tx1"/>
           </a:solidFill>
@@ -14891,13 +14859,13 @@
           <a:cs typeface="+mn-cs"/>
         </a:defRPr>
       </a:lvl6pPr>
-      <a:lvl7pPr marL="2358255" indent="-181404" algn="l" defTabSz="725617" rtl="0" eaLnBrk="1" latinLnBrk="0" hangingPunct="1">
+      <a:lvl7pPr marL="2358390" indent="-181610" algn="l" defTabSz="725805" rtl="0" eaLnBrk="1" latinLnBrk="0" hangingPunct="1">
         <a:spcBef>
           <a:spcPct val="20000"/>
         </a:spcBef>
         <a:buFont typeface="Arial" panose="020B0604020202020204" pitchFamily="34" charset="0"/>
         <a:buChar char="•"/>
-        <a:defRPr sz="1587" kern="1200">
+        <a:defRPr sz="1585" kern="1200">
           <a:solidFill>
             <a:schemeClr val="tx1"/>
           </a:solidFill>
@@ -14906,13 +14874,13 @@
           <a:cs typeface="+mn-cs"/>
         </a:defRPr>
       </a:lvl7pPr>
-      <a:lvl8pPr marL="2721063" indent="-181404" algn="l" defTabSz="725617" rtl="0" eaLnBrk="1" latinLnBrk="0" hangingPunct="1">
+      <a:lvl8pPr marL="2720975" indent="-181610" algn="l" defTabSz="725805" rtl="0" eaLnBrk="1" latinLnBrk="0" hangingPunct="1">
         <a:spcBef>
           <a:spcPct val="20000"/>
         </a:spcBef>
         <a:buFont typeface="Arial" panose="020B0604020202020204" pitchFamily="34" charset="0"/>
         <a:buChar char="•"/>
-        <a:defRPr sz="1587" kern="1200">
+        <a:defRPr sz="1585" kern="1200">
           <a:solidFill>
             <a:schemeClr val="tx1"/>
           </a:solidFill>
@@ -14921,13 +14889,13 @@
           <a:cs typeface="+mn-cs"/>
         </a:defRPr>
       </a:lvl8pPr>
-      <a:lvl9pPr marL="3083871" indent="-181404" algn="l" defTabSz="725617" rtl="0" eaLnBrk="1" latinLnBrk="0" hangingPunct="1">
+      <a:lvl9pPr marL="3083560" indent="-181610" algn="l" defTabSz="725805" rtl="0" eaLnBrk="1" latinLnBrk="0" hangingPunct="1">
         <a:spcBef>
           <a:spcPct val="20000"/>
         </a:spcBef>
         <a:buFont typeface="Arial" panose="020B0604020202020204" pitchFamily="34" charset="0"/>
         <a:buChar char="•"/>
-        <a:defRPr sz="1587" kern="1200">
+        <a:defRPr sz="1585" kern="1200">
           <a:solidFill>
             <a:schemeClr val="tx1"/>
           </a:solidFill>
@@ -14941,8 +14909,8 @@
       <a:defPPr>
         <a:defRPr lang="zh-CN"/>
       </a:defPPr>
-      <a:lvl1pPr marL="0" algn="l" defTabSz="725617" rtl="0" eaLnBrk="1" latinLnBrk="0" hangingPunct="1">
-        <a:defRPr sz="1429" kern="1200">
+      <a:lvl1pPr marL="0" algn="l" defTabSz="725805" rtl="0" eaLnBrk="1" latinLnBrk="0" hangingPunct="1">
+        <a:defRPr sz="1430" kern="1200">
           <a:solidFill>
             <a:schemeClr val="tx1"/>
           </a:solidFill>
@@ -14951,8 +14919,8 @@
           <a:cs typeface="+mn-cs"/>
         </a:defRPr>
       </a:lvl1pPr>
-      <a:lvl2pPr marL="362808" algn="l" defTabSz="725617" rtl="0" eaLnBrk="1" latinLnBrk="0" hangingPunct="1">
-        <a:defRPr sz="1429" kern="1200">
+      <a:lvl2pPr marL="362585" algn="l" defTabSz="725805" rtl="0" eaLnBrk="1" latinLnBrk="0" hangingPunct="1">
+        <a:defRPr sz="1430" kern="1200">
           <a:solidFill>
             <a:schemeClr val="tx1"/>
           </a:solidFill>
@@ -14961,8 +14929,8 @@
           <a:cs typeface="+mn-cs"/>
         </a:defRPr>
       </a:lvl2pPr>
-      <a:lvl3pPr marL="725617" algn="l" defTabSz="725617" rtl="0" eaLnBrk="1" latinLnBrk="0" hangingPunct="1">
-        <a:defRPr sz="1429" kern="1200">
+      <a:lvl3pPr marL="725805" algn="l" defTabSz="725805" rtl="0" eaLnBrk="1" latinLnBrk="0" hangingPunct="1">
+        <a:defRPr sz="1430" kern="1200">
           <a:solidFill>
             <a:schemeClr val="tx1"/>
           </a:solidFill>
@@ -14971,8 +14939,8 @@
           <a:cs typeface="+mn-cs"/>
         </a:defRPr>
       </a:lvl3pPr>
-      <a:lvl4pPr marL="1088425" algn="l" defTabSz="725617" rtl="0" eaLnBrk="1" latinLnBrk="0" hangingPunct="1">
-        <a:defRPr sz="1429" kern="1200">
+      <a:lvl4pPr marL="1088390" algn="l" defTabSz="725805" rtl="0" eaLnBrk="1" latinLnBrk="0" hangingPunct="1">
+        <a:defRPr sz="1430" kern="1200">
           <a:solidFill>
             <a:schemeClr val="tx1"/>
           </a:solidFill>
@@ -14981,8 +14949,8 @@
           <a:cs typeface="+mn-cs"/>
         </a:defRPr>
       </a:lvl4pPr>
-      <a:lvl5pPr marL="1451233" algn="l" defTabSz="725617" rtl="0" eaLnBrk="1" latinLnBrk="0" hangingPunct="1">
-        <a:defRPr sz="1429" kern="1200">
+      <a:lvl5pPr marL="1450975" algn="l" defTabSz="725805" rtl="0" eaLnBrk="1" latinLnBrk="0" hangingPunct="1">
+        <a:defRPr sz="1430" kern="1200">
           <a:solidFill>
             <a:schemeClr val="tx1"/>
           </a:solidFill>
@@ -14991,8 +14959,8 @@
           <a:cs typeface="+mn-cs"/>
         </a:defRPr>
       </a:lvl5pPr>
-      <a:lvl6pPr marL="1814042" algn="l" defTabSz="725617" rtl="0" eaLnBrk="1" latinLnBrk="0" hangingPunct="1">
-        <a:defRPr sz="1429" kern="1200">
+      <a:lvl6pPr marL="1814195" algn="l" defTabSz="725805" rtl="0" eaLnBrk="1" latinLnBrk="0" hangingPunct="1">
+        <a:defRPr sz="1430" kern="1200">
           <a:solidFill>
             <a:schemeClr val="tx1"/>
           </a:solidFill>
@@ -15001,8 +14969,8 @@
           <a:cs typeface="+mn-cs"/>
         </a:defRPr>
       </a:lvl6pPr>
-      <a:lvl7pPr marL="2176851" algn="l" defTabSz="725617" rtl="0" eaLnBrk="1" latinLnBrk="0" hangingPunct="1">
-        <a:defRPr sz="1429" kern="1200">
+      <a:lvl7pPr marL="2176780" algn="l" defTabSz="725805" rtl="0" eaLnBrk="1" latinLnBrk="0" hangingPunct="1">
+        <a:defRPr sz="1430" kern="1200">
           <a:solidFill>
             <a:schemeClr val="tx1"/>
           </a:solidFill>
@@ -15011,8 +14979,8 @@
           <a:cs typeface="+mn-cs"/>
         </a:defRPr>
       </a:lvl7pPr>
-      <a:lvl8pPr marL="2539659" algn="l" defTabSz="725617" rtl="0" eaLnBrk="1" latinLnBrk="0" hangingPunct="1">
-        <a:defRPr sz="1429" kern="1200">
+      <a:lvl8pPr marL="2539365" algn="l" defTabSz="725805" rtl="0" eaLnBrk="1" latinLnBrk="0" hangingPunct="1">
+        <a:defRPr sz="1430" kern="1200">
           <a:solidFill>
             <a:schemeClr val="tx1"/>
           </a:solidFill>
@@ -15021,8 +14989,8 @@
           <a:cs typeface="+mn-cs"/>
         </a:defRPr>
       </a:lvl8pPr>
-      <a:lvl9pPr marL="2902467" algn="l" defTabSz="725617" rtl="0" eaLnBrk="1" latinLnBrk="0" hangingPunct="1">
-        <a:defRPr sz="1429" kern="1200">
+      <a:lvl9pPr marL="2902585" algn="l" defTabSz="725805" rtl="0" eaLnBrk="1" latinLnBrk="0" hangingPunct="1">
+        <a:defRPr sz="1430" kern="1200">
           <a:solidFill>
             <a:schemeClr val="tx1"/>
           </a:solidFill>
@@ -15106,8 +15074,6 @@
                   <a:schemeClr val="tx1"/>
                 </a:solidFill>
                 <a:round/>
-                <a:headEnd/>
-                <a:tailEnd/>
               </a14:hiddenLine>
             </a:ext>
             <a:ext uri="{AF507438-7753-43E0-B8FC-AC1667EBCBE1}">
@@ -15235,11 +15201,7 @@
           </a:extLst>
         </p:spPr>
         <p:txBody>
-          <a:bodyPr vert="horz" wrap="square" lIns="91440" tIns="45720" rIns="91440" bIns="45720" numCol="1" anchor="t" anchorCtr="0" compatLnSpc="1">
-            <a:prstTxWarp prst="textNoShape">
-              <a:avLst/>
-            </a:prstTxWarp>
-          </a:bodyPr>
+          <a:bodyPr vert="horz" wrap="square" lIns="91440" tIns="45720" rIns="91440" bIns="45720" numCol="1" anchor="t" anchorCtr="0" compatLnSpc="1"/>
           <a:lstStyle/>
           <a:p>
             <a:pPr lvl="0"/>
@@ -15247,6 +15209,7 @@
               <a:rPr lang="zh-CN" altLang="en-US"/>
               <a:t>单击此处编辑母版文本样式</a:t>
             </a:r>
+            <a:endParaRPr lang="zh-CN" altLang="en-US"/>
           </a:p>
           <a:p>
             <a:pPr lvl="1"/>
@@ -15254,6 +15217,7 @@
               <a:rPr lang="zh-CN" altLang="en-US"/>
               <a:t>第二级</a:t>
             </a:r>
+            <a:endParaRPr lang="zh-CN" altLang="en-US"/>
           </a:p>
           <a:p>
             <a:pPr lvl="2"/>
@@ -15261,6 +15225,7 @@
               <a:rPr lang="zh-CN" altLang="en-US"/>
               <a:t>第三级</a:t>
             </a:r>
+            <a:endParaRPr lang="zh-CN" altLang="en-US"/>
           </a:p>
           <a:p>
             <a:pPr lvl="3"/>
@@ -15268,6 +15233,7 @@
               <a:rPr lang="zh-CN" altLang="en-US"/>
               <a:t>第四级</a:t>
             </a:r>
+            <a:endParaRPr lang="zh-CN" altLang="en-US"/>
           </a:p>
           <a:p>
             <a:pPr lvl="4"/>
@@ -15332,11 +15298,7 @@
           </a:extLst>
         </p:spPr>
         <p:txBody>
-          <a:bodyPr vert="horz" wrap="square" lIns="91440" tIns="45720" rIns="91440" bIns="45720" numCol="1" anchor="ctr" anchorCtr="0" compatLnSpc="1">
-            <a:prstTxWarp prst="textNoShape">
-              <a:avLst/>
-            </a:prstTxWarp>
-          </a:bodyPr>
+          <a:bodyPr vert="horz" wrap="square" lIns="91440" tIns="45720" rIns="91440" bIns="45720" numCol="1" anchor="ctr" anchorCtr="0" compatLnSpc="1"/>
           <a:lstStyle/>
           <a:p>
             <a:pPr lvl="0"/>
@@ -15357,7 +15319,7 @@
           <p:nvPr/>
         </p:nvPicPr>
         <p:blipFill rotWithShape="1">
-          <a:blip r:embed="rId13" cstate="print">
+          <a:blip r:embed="rId12" cstate="print">
             <a:extLst>
               <a:ext uri="{28A0092B-C50C-407E-A947-70E740481C1C}">
                 <a14:useLocalDpi xmlns:a14="http://schemas.microsoft.com/office/drawing/2010/main" val="0"/>
@@ -15365,7 +15327,9 @@
             </a:extLst>
           </a:blip>
           <a:srcRect t="10808"/>
-          <a:stretch/>
+          <a:stretch>
+            <a:fillRect/>
+          </a:stretch>
         </p:blipFill>
         <p:spPr bwMode="auto">
           <a:xfrm>
@@ -15399,7 +15363,7 @@
           <p:nvPr/>
         </p:nvPicPr>
         <p:blipFill>
-          <a:blip r:embed="rId14" cstate="print">
+          <a:blip r:embed="rId13" cstate="print">
             <a:extLst>
               <a:ext uri="{28A0092B-C50C-407E-A947-70E740481C1C}">
                 <a14:useLocalDpi xmlns:a14="http://schemas.microsoft.com/office/drawing/2010/main" val="0"/>
@@ -15432,25 +15396,20 @@
         </p:spPr>
       </p:pic>
     </p:spTree>
-    <p:extLst>
-      <p:ext uri="{BB962C8B-B14F-4D97-AF65-F5344CB8AC3E}">
-        <p14:creationId xmlns:p14="http://schemas.microsoft.com/office/powerpoint/2010/main" val="1749735295"/>
-      </p:ext>
-    </p:extLst>
   </p:cSld>
   <p:clrMap bg1="lt1" tx1="dk1" bg2="lt2" tx2="dk2" accent1="accent1" accent2="accent2" accent3="accent3" accent4="accent4" accent5="accent5" accent6="accent6" hlink="hlink" folHlink="folHlink"/>
   <p:sldLayoutIdLst>
-    <p:sldLayoutId id="2147484014" r:id="rId1"/>
-    <p:sldLayoutId id="2147484015" r:id="rId2"/>
-    <p:sldLayoutId id="2147484016" r:id="rId3"/>
-    <p:sldLayoutId id="2147484017" r:id="rId4"/>
-    <p:sldLayoutId id="2147484018" r:id="rId5"/>
-    <p:sldLayoutId id="2147484019" r:id="rId6"/>
-    <p:sldLayoutId id="2147484020" r:id="rId7"/>
-    <p:sldLayoutId id="2147484021" r:id="rId8"/>
-    <p:sldLayoutId id="2147484022" r:id="rId9"/>
-    <p:sldLayoutId id="2147484023" r:id="rId10"/>
-    <p:sldLayoutId id="2147484024" r:id="rId11"/>
+    <p:sldLayoutId id="2147483662" r:id="rId1"/>
+    <p:sldLayoutId id="2147483663" r:id="rId2"/>
+    <p:sldLayoutId id="2147483664" r:id="rId3"/>
+    <p:sldLayoutId id="2147483665" r:id="rId4"/>
+    <p:sldLayoutId id="2147483666" r:id="rId5"/>
+    <p:sldLayoutId id="2147483667" r:id="rId6"/>
+    <p:sldLayoutId id="2147483668" r:id="rId7"/>
+    <p:sldLayoutId id="2147483669" r:id="rId8"/>
+    <p:sldLayoutId id="2147483670" r:id="rId9"/>
+    <p:sldLayoutId id="2147483671" r:id="rId10"/>
+    <p:sldLayoutId id="2147483672" r:id="rId11"/>
   </p:sldLayoutIdLst>
   <p:timing>
     <p:tnLst>
@@ -16111,7 +16070,7 @@
           <a:solidFill>
             <a:schemeClr val="bg1"/>
           </a:solidFill>
-          <a:latin typeface="Arial" charset="0"/>
+          <a:latin typeface="Arial" panose="020B0604020202020204" pitchFamily="34" charset="0"/>
         </a:defRPr>
       </a:lvl2pPr>
       <a:lvl3pPr algn="ctr" rtl="0" eaLnBrk="1" fontAlgn="base" hangingPunct="1">
@@ -16125,7 +16084,7 @@
           <a:solidFill>
             <a:schemeClr val="bg1"/>
           </a:solidFill>
-          <a:latin typeface="Arial" charset="0"/>
+          <a:latin typeface="Arial" panose="020B0604020202020204" pitchFamily="34" charset="0"/>
         </a:defRPr>
       </a:lvl3pPr>
       <a:lvl4pPr algn="ctr" rtl="0" eaLnBrk="1" fontAlgn="base" hangingPunct="1">
@@ -16139,7 +16098,7 @@
           <a:solidFill>
             <a:schemeClr val="bg1"/>
           </a:solidFill>
-          <a:latin typeface="Arial" charset="0"/>
+          <a:latin typeface="Arial" panose="020B0604020202020204" pitchFamily="34" charset="0"/>
         </a:defRPr>
       </a:lvl4pPr>
       <a:lvl5pPr algn="ctr" rtl="0" eaLnBrk="1" fontAlgn="base" hangingPunct="1">
@@ -16153,7 +16112,7 @@
           <a:solidFill>
             <a:schemeClr val="bg1"/>
           </a:solidFill>
-          <a:latin typeface="Arial" charset="0"/>
+          <a:latin typeface="Arial" panose="020B0604020202020204" pitchFamily="34" charset="0"/>
         </a:defRPr>
       </a:lvl5pPr>
       <a:lvl6pPr marL="457200" algn="ctr" rtl="0" eaLnBrk="1" fontAlgn="base" hangingPunct="1">
@@ -16167,7 +16126,7 @@
           <a:solidFill>
             <a:schemeClr val="bg1"/>
           </a:solidFill>
-          <a:latin typeface="Arial" charset="0"/>
+          <a:latin typeface="Arial" panose="020B0604020202020204" pitchFamily="34" charset="0"/>
         </a:defRPr>
       </a:lvl6pPr>
       <a:lvl7pPr marL="914400" algn="ctr" rtl="0" eaLnBrk="1" fontAlgn="base" hangingPunct="1">
@@ -16181,7 +16140,7 @@
           <a:solidFill>
             <a:schemeClr val="bg1"/>
           </a:solidFill>
-          <a:latin typeface="Arial" charset="0"/>
+          <a:latin typeface="Arial" panose="020B0604020202020204" pitchFamily="34" charset="0"/>
         </a:defRPr>
       </a:lvl7pPr>
       <a:lvl8pPr marL="1371600" algn="ctr" rtl="0" eaLnBrk="1" fontAlgn="base" hangingPunct="1">
@@ -16195,7 +16154,7 @@
           <a:solidFill>
             <a:schemeClr val="bg1"/>
           </a:solidFill>
-          <a:latin typeface="Arial" charset="0"/>
+          <a:latin typeface="Arial" panose="020B0604020202020204" pitchFamily="34" charset="0"/>
         </a:defRPr>
       </a:lvl8pPr>
       <a:lvl9pPr marL="1828800" algn="ctr" rtl="0" eaLnBrk="1" fontAlgn="base" hangingPunct="1">
@@ -16209,7 +16168,7 @@
           <a:solidFill>
             <a:schemeClr val="bg1"/>
           </a:solidFill>
-          <a:latin typeface="Arial" charset="0"/>
+          <a:latin typeface="Arial" panose="020B0604020202020204" pitchFamily="34" charset="0"/>
         </a:defRPr>
       </a:lvl9pPr>
     </p:titleStyle>
@@ -16224,7 +16183,7 @@
         <a:buClr>
           <a:schemeClr val="tx2"/>
         </a:buClr>
-        <a:buFont typeface="Wingdings" pitchFamily="2" charset="2"/>
+        <a:buFont typeface="Wingdings" panose="05000000000000000000" pitchFamily="2" charset="2"/>
         <a:buChar char="v"/>
         <a:defRPr sz="2400">
           <a:solidFill>
@@ -16245,7 +16204,7 @@
         <a:buClr>
           <a:schemeClr val="accent1"/>
         </a:buClr>
-        <a:buFont typeface="Wingdings" pitchFamily="2" charset="2"/>
+        <a:buFont typeface="Wingdings" panose="05000000000000000000" pitchFamily="2" charset="2"/>
         <a:buChar char="§"/>
         <a:defRPr sz="2200">
           <a:solidFill>
@@ -16481,13 +16440,7 @@
       </p:grpSpPr>
       <p:sp>
         <p:nvSpPr>
-          <p:cNvPr id="2" name="标题 1">
-            <a:extLst>
-              <a:ext uri="{FF2B5EF4-FFF2-40B4-BE49-F238E27FC236}">
-                <a16:creationId xmlns:a16="http://schemas.microsoft.com/office/drawing/2014/main" id="{6ABB3EF3-ED44-4787-BE1B-F397804B05B3}"/>
-              </a:ext>
-            </a:extLst>
-          </p:cNvPr>
+          <p:cNvPr id="2" name="标题 1"/>
           <p:cNvSpPr>
             <a:spLocks noGrp="1"/>
           </p:cNvSpPr>
@@ -16504,18 +16457,13 @@
               <a:rPr lang="zh-CN" altLang="en-US" dirty="0"/>
               <a:t>数字逻辑实验</a:t>
             </a:r>
+            <a:endParaRPr lang="zh-CN" altLang="en-US" dirty="0"/>
           </a:p>
         </p:txBody>
       </p:sp>
       <p:sp>
         <p:nvSpPr>
-          <p:cNvPr id="3" name="副标题 2">
-            <a:extLst>
-              <a:ext uri="{FF2B5EF4-FFF2-40B4-BE49-F238E27FC236}">
-                <a16:creationId xmlns:a16="http://schemas.microsoft.com/office/drawing/2014/main" id="{4327CF54-986B-4801-90CB-FF8262015CC1}"/>
-              </a:ext>
-            </a:extLst>
-          </p:cNvPr>
+          <p:cNvPr id="3" name="副标题 2"/>
           <p:cNvSpPr>
             <a:spLocks noGrp="1"/>
           </p:cNvSpPr>
@@ -16532,15 +16480,11 @@
               <a:rPr lang="zh-CN" altLang="en-US" dirty="0"/>
               <a:t>王传胜、梁倬骞</a:t>
             </a:r>
+            <a:endParaRPr lang="zh-CN" altLang="en-US" dirty="0"/>
           </a:p>
         </p:txBody>
       </p:sp>
     </p:spTree>
-    <p:extLst>
-      <p:ext uri="{BB962C8B-B14F-4D97-AF65-F5344CB8AC3E}">
-        <p14:creationId xmlns:p14="http://schemas.microsoft.com/office/powerpoint/2010/main" val="660012150"/>
-      </p:ext>
-    </p:extLst>
   </p:cSld>
   <p:clrMapOvr>
     <a:masterClrMapping/>
@@ -16567,13 +16511,7 @@
       </p:grpSpPr>
       <p:sp>
         <p:nvSpPr>
-          <p:cNvPr id="2" name="标题 1">
-            <a:extLst>
-              <a:ext uri="{FF2B5EF4-FFF2-40B4-BE49-F238E27FC236}">
-                <a16:creationId xmlns:a16="http://schemas.microsoft.com/office/drawing/2014/main" id="{98EE6285-C6EA-4D5A-9EE9-FB99C45DA2D3}"/>
-              </a:ext>
-            </a:extLst>
-          </p:cNvPr>
+          <p:cNvPr id="2" name="标题 1"/>
           <p:cNvSpPr>
             <a:spLocks noGrp="1"/>
           </p:cNvSpPr>
@@ -16590,18 +16528,13 @@
               <a:rPr lang="zh-CN" altLang="en-US" dirty="0"/>
               <a:t>实验报告</a:t>
             </a:r>
+            <a:endParaRPr lang="zh-CN" altLang="en-US" dirty="0"/>
           </a:p>
         </p:txBody>
       </p:sp>
       <p:sp>
         <p:nvSpPr>
-          <p:cNvPr id="4" name="矩形 3">
-            <a:extLst>
-              <a:ext uri="{FF2B5EF4-FFF2-40B4-BE49-F238E27FC236}">
-                <a16:creationId xmlns:a16="http://schemas.microsoft.com/office/drawing/2014/main" id="{CE9E4055-4828-4566-9176-FFA44A00A37C}"/>
-              </a:ext>
-            </a:extLst>
-          </p:cNvPr>
+          <p:cNvPr id="4" name="矩形 3"/>
           <p:cNvSpPr/>
           <p:nvPr/>
         </p:nvSpPr>
@@ -17151,22 +17084,17 @@
         </p:txBody>
       </p:sp>
     </p:spTree>
-    <p:extLst>
-      <p:ext uri="{BB962C8B-B14F-4D97-AF65-F5344CB8AC3E}">
-        <p14:creationId xmlns:p14="http://schemas.microsoft.com/office/powerpoint/2010/main" val="3548417065"/>
-      </p:ext>
-    </p:extLst>
   </p:cSld>
   <p:clrMapOvr>
     <a:masterClrMapping/>
   </p:clrMapOvr>
-  <mc:AlternateContent xmlns:mc="http://schemas.openxmlformats.org/markup-compatibility/2006" xmlns:p14="http://schemas.microsoft.com/office/powerpoint/2010/main">
-    <mc:Choice Requires="p14">
+  <mc:AlternateContent xmlns:mc="http://schemas.openxmlformats.org/markup-compatibility/2006">
+    <mc:Choice xmlns:p14="http://schemas.microsoft.com/office/powerpoint/2010/main" Requires="p14">
       <p:transition spd="slow" p14:dur="1600">
         <p:blinds dir="vert"/>
       </p:transition>
     </mc:Choice>
-    <mc:Fallback xmlns="">
+    <mc:Fallback>
       <p:transition spd="slow">
         <p:blinds dir="vert"/>
       </p:transition>
@@ -17194,13 +17122,7 @@
       </p:grpSpPr>
       <p:sp>
         <p:nvSpPr>
-          <p:cNvPr id="2" name="标题 1">
-            <a:extLst>
-              <a:ext uri="{FF2B5EF4-FFF2-40B4-BE49-F238E27FC236}">
-                <a16:creationId xmlns:a16="http://schemas.microsoft.com/office/drawing/2014/main" id="{DD1D5992-22CA-41AB-8BED-467E534AA292}"/>
-              </a:ext>
-            </a:extLst>
-          </p:cNvPr>
+          <p:cNvPr id="2" name="标题 1"/>
           <p:cNvSpPr>
             <a:spLocks noGrp="1"/>
           </p:cNvSpPr>
@@ -17217,18 +17139,13 @@
               <a:rPr lang="zh-CN" altLang="en-US" dirty="0"/>
               <a:t>实验报告要求</a:t>
             </a:r>
+            <a:endParaRPr lang="zh-CN" altLang="en-US" dirty="0"/>
           </a:p>
         </p:txBody>
       </p:sp>
       <p:sp>
         <p:nvSpPr>
-          <p:cNvPr id="3" name="内容占位符 2">
-            <a:extLst>
-              <a:ext uri="{FF2B5EF4-FFF2-40B4-BE49-F238E27FC236}">
-                <a16:creationId xmlns:a16="http://schemas.microsoft.com/office/drawing/2014/main" id="{5A93FD49-EB82-44DC-B614-3B19E66280F8}"/>
-              </a:ext>
-            </a:extLst>
-          </p:cNvPr>
+          <p:cNvPr id="3" name="内容占位符 2"/>
           <p:cNvSpPr>
             <a:spLocks noGrp="1"/>
           </p:cNvSpPr>
@@ -17249,6 +17166,7 @@
               <a:rPr lang="zh-CN" altLang="zh-CN" dirty="0"/>
               <a:t>实验目的</a:t>
             </a:r>
+            <a:endParaRPr lang="zh-CN" altLang="zh-CN" dirty="0"/>
           </a:p>
           <a:p>
             <a:r>
@@ -17259,6 +17177,7 @@
               <a:rPr lang="zh-CN" altLang="zh-CN" dirty="0"/>
               <a:t>实验内容</a:t>
             </a:r>
+            <a:endParaRPr lang="zh-CN" altLang="zh-CN" dirty="0"/>
           </a:p>
           <a:p>
             <a:r>
@@ -17269,6 +17188,7 @@
               <a:rPr lang="zh-CN" altLang="zh-CN" dirty="0"/>
               <a:t>实验程序</a:t>
             </a:r>
+            <a:endParaRPr lang="zh-CN" altLang="zh-CN" dirty="0"/>
           </a:p>
           <a:p>
             <a:r>
@@ -17279,6 +17199,7 @@
               <a:rPr lang="zh-CN" altLang="zh-CN" dirty="0"/>
               <a:t>仿真程序</a:t>
             </a:r>
+            <a:endParaRPr lang="zh-CN" altLang="zh-CN" dirty="0"/>
           </a:p>
           <a:p>
             <a:r>
@@ -17289,6 +17210,7 @@
               <a:rPr lang="zh-CN" altLang="zh-CN" dirty="0"/>
               <a:t>仿真结果</a:t>
             </a:r>
+            <a:endParaRPr lang="zh-CN" altLang="zh-CN" dirty="0"/>
           </a:p>
           <a:p>
             <a:r>
@@ -17330,6 +17252,7 @@
               <a:rPr lang="zh-CN" altLang="zh-CN" dirty="0"/>
               <a:t>系统约束</a:t>
             </a:r>
+            <a:endParaRPr lang="zh-CN" altLang="zh-CN" dirty="0"/>
           </a:p>
           <a:p>
             <a:r>
@@ -17340,6 +17263,7 @@
               <a:rPr lang="zh-CN" altLang="zh-CN" dirty="0"/>
               <a:t>实验结果</a:t>
             </a:r>
+            <a:endParaRPr lang="zh-CN" altLang="zh-CN" dirty="0"/>
           </a:p>
           <a:p>
             <a:endParaRPr lang="zh-CN" altLang="en-US" dirty="0"/>
@@ -17347,22 +17271,17 @@
         </p:txBody>
       </p:sp>
     </p:spTree>
-    <p:extLst>
-      <p:ext uri="{BB962C8B-B14F-4D97-AF65-F5344CB8AC3E}">
-        <p14:creationId xmlns:p14="http://schemas.microsoft.com/office/powerpoint/2010/main" val="2279539765"/>
-      </p:ext>
-    </p:extLst>
   </p:cSld>
   <p:clrMapOvr>
     <a:masterClrMapping/>
   </p:clrMapOvr>
-  <mc:AlternateContent xmlns:mc="http://schemas.openxmlformats.org/markup-compatibility/2006" xmlns:p14="http://schemas.microsoft.com/office/powerpoint/2010/main">
-    <mc:Choice Requires="p14">
+  <mc:AlternateContent xmlns:mc="http://schemas.openxmlformats.org/markup-compatibility/2006">
+    <mc:Choice xmlns:p14="http://schemas.microsoft.com/office/powerpoint/2010/main" Requires="p14">
       <p:transition spd="slow" p14:dur="1600">
         <p:blinds dir="vert"/>
       </p:transition>
     </mc:Choice>
-    <mc:Fallback xmlns="">
+    <mc:Fallback>
       <p:transition spd="slow">
         <p:blinds dir="vert"/>
       </p:transition>
@@ -17390,13 +17309,7 @@
       </p:grpSpPr>
       <p:sp>
         <p:nvSpPr>
-          <p:cNvPr id="2" name="标题 1">
-            <a:extLst>
-              <a:ext uri="{FF2B5EF4-FFF2-40B4-BE49-F238E27FC236}">
-                <a16:creationId xmlns:a16="http://schemas.microsoft.com/office/drawing/2014/main" id="{609BC598-3A96-4B82-9FED-5AE841AF8226}"/>
-              </a:ext>
-            </a:extLst>
-          </p:cNvPr>
+          <p:cNvPr id="2" name="标题 1"/>
           <p:cNvSpPr>
             <a:spLocks noGrp="1"/>
           </p:cNvSpPr>
@@ -17415,13 +17328,7 @@
       </p:sp>
       <p:sp>
         <p:nvSpPr>
-          <p:cNvPr id="3" name="内容占位符 2">
-            <a:extLst>
-              <a:ext uri="{FF2B5EF4-FFF2-40B4-BE49-F238E27FC236}">
-                <a16:creationId xmlns:a16="http://schemas.microsoft.com/office/drawing/2014/main" id="{8B51750E-F0D9-4FBB-B0DD-26E443A874C0}"/>
-              </a:ext>
-            </a:extLst>
-          </p:cNvPr>
+          <p:cNvPr id="3" name="内容占位符 2"/>
           <p:cNvSpPr>
             <a:spLocks noGrp="1"/>
           </p:cNvSpPr>
@@ -17447,26 +17354,22 @@
               <a:rPr lang="zh-CN" altLang="en-US" sz="7200" dirty="0"/>
               <a:t>计数器</a:t>
             </a:r>
+            <a:endParaRPr lang="zh-CN" altLang="en-US" sz="7200" dirty="0"/>
           </a:p>
         </p:txBody>
       </p:sp>
     </p:spTree>
-    <p:extLst>
-      <p:ext uri="{BB962C8B-B14F-4D97-AF65-F5344CB8AC3E}">
-        <p14:creationId xmlns:p14="http://schemas.microsoft.com/office/powerpoint/2010/main" val="1851527944"/>
-      </p:ext>
-    </p:extLst>
   </p:cSld>
   <p:clrMapOvr>
     <a:masterClrMapping/>
   </p:clrMapOvr>
-  <mc:AlternateContent xmlns:mc="http://schemas.openxmlformats.org/markup-compatibility/2006" xmlns:p14="http://schemas.microsoft.com/office/powerpoint/2010/main">
-    <mc:Choice Requires="p14">
+  <mc:AlternateContent xmlns:mc="http://schemas.openxmlformats.org/markup-compatibility/2006">
+    <mc:Choice xmlns:p14="http://schemas.microsoft.com/office/powerpoint/2010/main" Requires="p14">
       <p:transition spd="slow" p14:dur="1600">
         <p:blinds dir="vert"/>
       </p:transition>
     </mc:Choice>
-    <mc:Fallback xmlns="">
+    <mc:Fallback>
       <p:transition spd="slow">
         <p:blinds dir="vert"/>
       </p:transition>
@@ -17494,13 +17397,7 @@
       </p:grpSpPr>
       <p:sp>
         <p:nvSpPr>
-          <p:cNvPr id="2" name="标题 1">
-            <a:extLst>
-              <a:ext uri="{FF2B5EF4-FFF2-40B4-BE49-F238E27FC236}">
-                <a16:creationId xmlns:a16="http://schemas.microsoft.com/office/drawing/2014/main" id="{966AEFE1-F989-4326-A665-A5DD27E4D418}"/>
-              </a:ext>
-            </a:extLst>
-          </p:cNvPr>
+          <p:cNvPr id="2" name="标题 1"/>
           <p:cNvSpPr>
             <a:spLocks noGrp="1"/>
           </p:cNvSpPr>
@@ -17517,18 +17414,13 @@
               <a:rPr lang="zh-CN" altLang="en-US" dirty="0"/>
               <a:t>实验目的</a:t>
             </a:r>
+            <a:endParaRPr lang="zh-CN" altLang="en-US" dirty="0"/>
           </a:p>
         </p:txBody>
       </p:sp>
       <p:sp>
         <p:nvSpPr>
-          <p:cNvPr id="3" name="内容占位符 2">
-            <a:extLst>
-              <a:ext uri="{FF2B5EF4-FFF2-40B4-BE49-F238E27FC236}">
-                <a16:creationId xmlns:a16="http://schemas.microsoft.com/office/drawing/2014/main" id="{F7829E4C-F25C-4C39-B748-BEDBF416B1A9}"/>
-              </a:ext>
-            </a:extLst>
-          </p:cNvPr>
+          <p:cNvPr id="3" name="内容占位符 2"/>
           <p:cNvSpPr>
             <a:spLocks noGrp="1"/>
           </p:cNvSpPr>
@@ -17553,6 +17445,7 @@
               <a:rPr lang="zh-CN" altLang="zh-CN" dirty="0"/>
               <a:t>进行行为建模；</a:t>
             </a:r>
+            <a:endParaRPr lang="zh-CN" altLang="zh-CN" dirty="0"/>
           </a:p>
           <a:p>
             <a:r>
@@ -17567,6 +17460,7 @@
               <a:rPr lang="zh-CN" altLang="zh-CN" dirty="0"/>
               <a:t>行为建模来实现计数器；</a:t>
             </a:r>
+            <a:endParaRPr lang="zh-CN" altLang="zh-CN" dirty="0"/>
           </a:p>
           <a:p>
             <a:r>
@@ -17581,6 +17475,7 @@
               <a:rPr lang="zh-CN" altLang="zh-CN" dirty="0"/>
               <a:t>行为建模来实现分频器；</a:t>
             </a:r>
+            <a:endParaRPr lang="zh-CN" altLang="zh-CN" dirty="0"/>
           </a:p>
           <a:p>
             <a:endParaRPr lang="zh-CN" altLang="en-US" dirty="0"/>
@@ -17588,22 +17483,17 @@
         </p:txBody>
       </p:sp>
     </p:spTree>
-    <p:extLst>
-      <p:ext uri="{BB962C8B-B14F-4D97-AF65-F5344CB8AC3E}">
-        <p14:creationId xmlns:p14="http://schemas.microsoft.com/office/powerpoint/2010/main" val="4080779929"/>
-      </p:ext>
-    </p:extLst>
   </p:cSld>
   <p:clrMapOvr>
     <a:masterClrMapping/>
   </p:clrMapOvr>
-  <mc:AlternateContent xmlns:mc="http://schemas.openxmlformats.org/markup-compatibility/2006" xmlns:p14="http://schemas.microsoft.com/office/powerpoint/2010/main">
-    <mc:Choice Requires="p14">
+  <mc:AlternateContent xmlns:mc="http://schemas.openxmlformats.org/markup-compatibility/2006">
+    <mc:Choice xmlns:p14="http://schemas.microsoft.com/office/powerpoint/2010/main" Requires="p14">
       <p:transition spd="slow" p14:dur="1600">
         <p:blinds dir="vert"/>
       </p:transition>
     </mc:Choice>
-    <mc:Fallback xmlns="">
+    <mc:Fallback>
       <p:transition spd="slow">
         <p:blinds dir="vert"/>
       </p:transition>
@@ -17631,13 +17521,7 @@
       </p:grpSpPr>
       <p:sp>
         <p:nvSpPr>
-          <p:cNvPr id="2" name="标题 1">
-            <a:extLst>
-              <a:ext uri="{FF2B5EF4-FFF2-40B4-BE49-F238E27FC236}">
-                <a16:creationId xmlns:a16="http://schemas.microsoft.com/office/drawing/2014/main" id="{07DC017D-3E34-4F62-9E6C-6525B1D8F7FA}"/>
-              </a:ext>
-            </a:extLst>
-          </p:cNvPr>
+          <p:cNvPr id="2" name="标题 1"/>
           <p:cNvSpPr>
             <a:spLocks noGrp="1"/>
           </p:cNvSpPr>
@@ -17654,18 +17538,13 @@
               <a:rPr lang="zh-CN" altLang="en-US" dirty="0"/>
               <a:t>实验内容</a:t>
             </a:r>
+            <a:endParaRPr lang="zh-CN" altLang="en-US" dirty="0"/>
           </a:p>
         </p:txBody>
       </p:sp>
       <p:sp>
         <p:nvSpPr>
-          <p:cNvPr id="3" name="内容占位符 2">
-            <a:extLst>
-              <a:ext uri="{FF2B5EF4-FFF2-40B4-BE49-F238E27FC236}">
-                <a16:creationId xmlns:a16="http://schemas.microsoft.com/office/drawing/2014/main" id="{FF1A976D-88EF-4629-8393-E4C86BC305F9}"/>
-              </a:ext>
-            </a:extLst>
-          </p:cNvPr>
+          <p:cNvPr id="3" name="内容占位符 2"/>
           <p:cNvSpPr>
             <a:spLocks noGrp="1"/>
           </p:cNvSpPr>
@@ -17726,26 +17605,22 @@
               <a:rPr lang="zh-CN" altLang="zh-CN" dirty="0"/>
               <a:t>。</a:t>
             </a:r>
+            <a:endParaRPr lang="zh-CN" altLang="zh-CN" dirty="0"/>
           </a:p>
         </p:txBody>
       </p:sp>
     </p:spTree>
-    <p:extLst>
-      <p:ext uri="{BB962C8B-B14F-4D97-AF65-F5344CB8AC3E}">
-        <p14:creationId xmlns:p14="http://schemas.microsoft.com/office/powerpoint/2010/main" val="1226352396"/>
-      </p:ext>
-    </p:extLst>
   </p:cSld>
   <p:clrMapOvr>
     <a:masterClrMapping/>
   </p:clrMapOvr>
-  <mc:AlternateContent xmlns:mc="http://schemas.openxmlformats.org/markup-compatibility/2006" xmlns:p14="http://schemas.microsoft.com/office/powerpoint/2010/main">
-    <mc:Choice Requires="p14">
+  <mc:AlternateContent xmlns:mc="http://schemas.openxmlformats.org/markup-compatibility/2006">
+    <mc:Choice xmlns:p14="http://schemas.microsoft.com/office/powerpoint/2010/main" Requires="p14">
       <p:transition spd="slow" p14:dur="1600">
         <p:blinds dir="vert"/>
       </p:transition>
     </mc:Choice>
-    <mc:Fallback xmlns="">
+    <mc:Fallback>
       <p:transition spd="slow">
         <p:blinds dir="vert"/>
       </p:transition>
@@ -17773,13 +17648,7 @@
       </p:grpSpPr>
       <p:sp>
         <p:nvSpPr>
-          <p:cNvPr id="2" name="标题 1">
-            <a:extLst>
-              <a:ext uri="{FF2B5EF4-FFF2-40B4-BE49-F238E27FC236}">
-                <a16:creationId xmlns:a16="http://schemas.microsoft.com/office/drawing/2014/main" id="{39388A0D-49AD-4F9B-903C-2D342C982158}"/>
-              </a:ext>
-            </a:extLst>
-          </p:cNvPr>
+          <p:cNvPr id="2" name="标题 1"/>
           <p:cNvSpPr>
             <a:spLocks noGrp="1"/>
           </p:cNvSpPr>
@@ -17796,18 +17665,13 @@
               <a:rPr lang="zh-CN" altLang="en-US" dirty="0"/>
               <a:t>分频器</a:t>
             </a:r>
+            <a:endParaRPr lang="zh-CN" altLang="en-US" dirty="0"/>
           </a:p>
         </p:txBody>
       </p:sp>
       <p:sp>
         <p:nvSpPr>
-          <p:cNvPr id="3" name="内容占位符 2">
-            <a:extLst>
-              <a:ext uri="{FF2B5EF4-FFF2-40B4-BE49-F238E27FC236}">
-                <a16:creationId xmlns:a16="http://schemas.microsoft.com/office/drawing/2014/main" id="{001D1273-C80A-4186-8E1B-7C5CA3BD7D2D}"/>
-              </a:ext>
-            </a:extLst>
-          </p:cNvPr>
+          <p:cNvPr id="3" name="内容占位符 2"/>
           <p:cNvSpPr>
             <a:spLocks noGrp="1"/>
           </p:cNvSpPr>
@@ -17850,22 +17714,14 @@
       </p:sp>
       <p:graphicFrame>
         <p:nvGraphicFramePr>
-          <p:cNvPr id="4" name="表格 3">
-            <a:extLst>
-              <a:ext uri="{FF2B5EF4-FFF2-40B4-BE49-F238E27FC236}">
-                <a16:creationId xmlns:a16="http://schemas.microsoft.com/office/drawing/2014/main" id="{5D0BC104-39F5-43B8-B234-81BBADC397F0}"/>
-              </a:ext>
-            </a:extLst>
-          </p:cNvPr>
+          <p:cNvPr id="4" name="表格 3"/>
           <p:cNvGraphicFramePr>
             <a:graphicFrameLocks noGrp="1"/>
           </p:cNvGraphicFramePr>
           <p:nvPr>
-            <p:extLst>
-              <p:ext uri="{D42A27DB-BD31-4B8C-83A1-F6EECF244321}">
-                <p14:modId xmlns:p14="http://schemas.microsoft.com/office/powerpoint/2010/main" val="658956376"/>
-              </p:ext>
-            </p:extLst>
+            <p:custDataLst>
+              <p:tags r:id="rId1"/>
+            </p:custDataLst>
           </p:nvPr>
         </p:nvGraphicFramePr>
         <p:xfrm>
@@ -17879,48 +17735,12 @@
                 <a:tableStyleId>{5C22544A-7EE6-4342-B048-85BDC9FD1C3A}</a:tableStyleId>
               </a:tblPr>
               <a:tblGrid>
-                <a:gridCol w="744952">
-                  <a:extLst>
-                    <a:ext uri="{9D8B030D-6E8A-4147-A177-3AD203B41FA5}">
-                      <a16:colId xmlns:a16="http://schemas.microsoft.com/office/drawing/2014/main" val="2780771506"/>
-                    </a:ext>
-                  </a:extLst>
-                </a:gridCol>
-                <a:gridCol w="1495206">
-                  <a:extLst>
-                    <a:ext uri="{9D8B030D-6E8A-4147-A177-3AD203B41FA5}">
-                      <a16:colId xmlns:a16="http://schemas.microsoft.com/office/drawing/2014/main" val="370002541"/>
-                    </a:ext>
-                  </a:extLst>
-                </a:gridCol>
-                <a:gridCol w="1408604">
-                  <a:extLst>
-                    <a:ext uri="{9D8B030D-6E8A-4147-A177-3AD203B41FA5}">
-                      <a16:colId xmlns:a16="http://schemas.microsoft.com/office/drawing/2014/main" val="2880859315"/>
-                    </a:ext>
-                  </a:extLst>
-                </a:gridCol>
-                <a:gridCol w="1215076">
-                  <a:extLst>
-                    <a:ext uri="{9D8B030D-6E8A-4147-A177-3AD203B41FA5}">
-                      <a16:colId xmlns:a16="http://schemas.microsoft.com/office/drawing/2014/main" val="526282555"/>
-                    </a:ext>
-                  </a:extLst>
-                </a:gridCol>
-                <a:gridCol w="951036">
-                  <a:extLst>
-                    <a:ext uri="{9D8B030D-6E8A-4147-A177-3AD203B41FA5}">
-                      <a16:colId xmlns:a16="http://schemas.microsoft.com/office/drawing/2014/main" val="678414378"/>
-                    </a:ext>
-                  </a:extLst>
-                </a:gridCol>
-                <a:gridCol w="1516232">
-                  <a:extLst>
-                    <a:ext uri="{9D8B030D-6E8A-4147-A177-3AD203B41FA5}">
-                      <a16:colId xmlns:a16="http://schemas.microsoft.com/office/drawing/2014/main" val="873808822"/>
-                    </a:ext>
-                  </a:extLst>
-                </a:gridCol>
+                <a:gridCol w="744952"/>
+                <a:gridCol w="1495206"/>
+                <a:gridCol w="1408604"/>
+                <a:gridCol w="1215076"/>
+                <a:gridCol w="951036"/>
+                <a:gridCol w="1516232"/>
               </a:tblGrid>
               <a:tr h="285353">
                 <a:tc>
@@ -18091,11 +17911,6 @@
                   </a:txBody>
                   <a:tcPr marL="68580" marR="68580" marT="0" marB="0"/>
                 </a:tc>
-                <a:extLst>
-                  <a:ext uri="{0D108BD9-81ED-4DB2-BD59-A6C34878D82A}">
-                    <a16:rowId xmlns:a16="http://schemas.microsoft.com/office/drawing/2014/main" val="2848628084"/>
-                  </a:ext>
-                </a:extLst>
               </a:tr>
               <a:tr h="285353">
                 <a:tc>
@@ -18254,11 +18069,6 @@
                   </a:txBody>
                   <a:tcPr marL="68580" marR="68580" marT="0" marB="0"/>
                 </a:tc>
-                <a:extLst>
-                  <a:ext uri="{0D108BD9-81ED-4DB2-BD59-A6C34878D82A}">
-                    <a16:rowId xmlns:a16="http://schemas.microsoft.com/office/drawing/2014/main" val="3855866980"/>
-                  </a:ext>
-                </a:extLst>
               </a:tr>
               <a:tr h="285353">
                 <a:tc>
@@ -18417,11 +18227,6 @@
                   </a:txBody>
                   <a:tcPr marL="68580" marR="68580" marT="0" marB="0"/>
                 </a:tc>
-                <a:extLst>
-                  <a:ext uri="{0D108BD9-81ED-4DB2-BD59-A6C34878D82A}">
-                    <a16:rowId xmlns:a16="http://schemas.microsoft.com/office/drawing/2014/main" val="888044666"/>
-                  </a:ext>
-                </a:extLst>
               </a:tr>
               <a:tr h="285353">
                 <a:tc>
@@ -18580,11 +18385,6 @@
                   </a:txBody>
                   <a:tcPr marL="68580" marR="68580" marT="0" marB="0"/>
                 </a:tc>
-                <a:extLst>
-                  <a:ext uri="{0D108BD9-81ED-4DB2-BD59-A6C34878D82A}">
-                    <a16:rowId xmlns:a16="http://schemas.microsoft.com/office/drawing/2014/main" val="935365768"/>
-                  </a:ext>
-                </a:extLst>
               </a:tr>
               <a:tr h="285353">
                 <a:tc>
@@ -18743,11 +18543,6 @@
                   </a:txBody>
                   <a:tcPr marL="68580" marR="68580" marT="0" marB="0"/>
                 </a:tc>
-                <a:extLst>
-                  <a:ext uri="{0D108BD9-81ED-4DB2-BD59-A6C34878D82A}">
-                    <a16:rowId xmlns:a16="http://schemas.microsoft.com/office/drawing/2014/main" val="357927032"/>
-                  </a:ext>
-                </a:extLst>
               </a:tr>
               <a:tr h="285353">
                 <a:tc>
@@ -18906,11 +18701,6 @@
                   </a:txBody>
                   <a:tcPr marL="68580" marR="68580" marT="0" marB="0"/>
                 </a:tc>
-                <a:extLst>
-                  <a:ext uri="{0D108BD9-81ED-4DB2-BD59-A6C34878D82A}">
-                    <a16:rowId xmlns:a16="http://schemas.microsoft.com/office/drawing/2014/main" val="1570784695"/>
-                  </a:ext>
-                </a:extLst>
               </a:tr>
               <a:tr h="285353">
                 <a:tc>
@@ -19069,13 +18859,8 @@
                   </a:txBody>
                   <a:tcPr marL="68580" marR="68580" marT="0" marB="0"/>
                 </a:tc>
-                <a:extLst>
-                  <a:ext uri="{0D108BD9-81ED-4DB2-BD59-A6C34878D82A}">
-                    <a16:rowId xmlns:a16="http://schemas.microsoft.com/office/drawing/2014/main" val="774301727"/>
-                  </a:ext>
-                </a:extLst>
               </a:tr>
-              <a:tr h="285353">
+              <a:tr h="285115">
                 <a:tc>
                   <a:txBody>
                     <a:bodyPr/>
@@ -19232,11 +19017,6 @@
                   </a:txBody>
                   <a:tcPr marL="68580" marR="68580" marT="0" marB="0"/>
                 </a:tc>
-                <a:extLst>
-                  <a:ext uri="{0D108BD9-81ED-4DB2-BD59-A6C34878D82A}">
-                    <a16:rowId xmlns:a16="http://schemas.microsoft.com/office/drawing/2014/main" val="2993718962"/>
-                  </a:ext>
-                </a:extLst>
               </a:tr>
               <a:tr h="285353">
                 <a:tc>
@@ -19395,11 +19175,6 @@
                   </a:txBody>
                   <a:tcPr marL="68580" marR="68580" marT="0" marB="0"/>
                 </a:tc>
-                <a:extLst>
-                  <a:ext uri="{0D108BD9-81ED-4DB2-BD59-A6C34878D82A}">
-                    <a16:rowId xmlns:a16="http://schemas.microsoft.com/office/drawing/2014/main" val="2447307251"/>
-                  </a:ext>
-                </a:extLst>
               </a:tr>
               <a:tr h="285353">
                 <a:tc>
@@ -19558,11 +19333,6 @@
                   </a:txBody>
                   <a:tcPr marL="68580" marR="68580" marT="0" marB="0"/>
                 </a:tc>
-                <a:extLst>
-                  <a:ext uri="{0D108BD9-81ED-4DB2-BD59-A6C34878D82A}">
-                    <a16:rowId xmlns:a16="http://schemas.microsoft.com/office/drawing/2014/main" val="2614220398"/>
-                  </a:ext>
-                </a:extLst>
               </a:tr>
               <a:tr h="285353">
                 <a:tc>
@@ -19721,11 +19491,6 @@
                   </a:txBody>
                   <a:tcPr marL="68580" marR="68580" marT="0" marB="0"/>
                 </a:tc>
-                <a:extLst>
-                  <a:ext uri="{0D108BD9-81ED-4DB2-BD59-A6C34878D82A}">
-                    <a16:rowId xmlns:a16="http://schemas.microsoft.com/office/drawing/2014/main" val="529668779"/>
-                  </a:ext>
-                </a:extLst>
               </a:tr>
               <a:tr h="285353">
                 <a:tc>
@@ -19884,11 +19649,6 @@
                   </a:txBody>
                   <a:tcPr marL="68580" marR="68580" marT="0" marB="0"/>
                 </a:tc>
-                <a:extLst>
-                  <a:ext uri="{0D108BD9-81ED-4DB2-BD59-A6C34878D82A}">
-                    <a16:rowId xmlns:a16="http://schemas.microsoft.com/office/drawing/2014/main" val="3504989234"/>
-                  </a:ext>
-                </a:extLst>
               </a:tr>
               <a:tr h="285353">
                 <a:tc>
@@ -20047,11 +19807,6 @@
                   </a:txBody>
                   <a:tcPr marL="68580" marR="68580" marT="0" marB="0"/>
                 </a:tc>
-                <a:extLst>
-                  <a:ext uri="{0D108BD9-81ED-4DB2-BD59-A6C34878D82A}">
-                    <a16:rowId xmlns:a16="http://schemas.microsoft.com/office/drawing/2014/main" val="284972550"/>
-                  </a:ext>
-                </a:extLst>
               </a:tr>
               <a:tr h="285353">
                 <a:tc>
@@ -20210,33 +19965,23 @@
                   </a:txBody>
                   <a:tcPr marL="68580" marR="68580" marT="0" marB="0"/>
                 </a:tc>
-                <a:extLst>
-                  <a:ext uri="{0D108BD9-81ED-4DB2-BD59-A6C34878D82A}">
-                    <a16:rowId xmlns:a16="http://schemas.microsoft.com/office/drawing/2014/main" val="3082428308"/>
-                  </a:ext>
-                </a:extLst>
               </a:tr>
             </a:tbl>
           </a:graphicData>
         </a:graphic>
       </p:graphicFrame>
     </p:spTree>
-    <p:extLst>
-      <p:ext uri="{BB962C8B-B14F-4D97-AF65-F5344CB8AC3E}">
-        <p14:creationId xmlns:p14="http://schemas.microsoft.com/office/powerpoint/2010/main" val="1285974843"/>
-      </p:ext>
-    </p:extLst>
   </p:cSld>
   <p:clrMapOvr>
     <a:masterClrMapping/>
   </p:clrMapOvr>
-  <mc:AlternateContent xmlns:mc="http://schemas.openxmlformats.org/markup-compatibility/2006" xmlns:p14="http://schemas.microsoft.com/office/powerpoint/2010/main">
-    <mc:Choice Requires="p14">
+  <mc:AlternateContent xmlns:mc="http://schemas.openxmlformats.org/markup-compatibility/2006">
+    <mc:Choice xmlns:p14="http://schemas.microsoft.com/office/powerpoint/2010/main" Requires="p14">
       <p:transition spd="slow" p14:dur="1600">
         <p:blinds dir="vert"/>
       </p:transition>
     </mc:Choice>
-    <mc:Fallback xmlns="">
+    <mc:Fallback>
       <p:transition spd="slow">
         <p:blinds dir="vert"/>
       </p:transition>
@@ -20264,13 +20009,7 @@
       </p:grpSpPr>
       <p:sp>
         <p:nvSpPr>
-          <p:cNvPr id="2" name="标题 1">
-            <a:extLst>
-              <a:ext uri="{FF2B5EF4-FFF2-40B4-BE49-F238E27FC236}">
-                <a16:creationId xmlns:a16="http://schemas.microsoft.com/office/drawing/2014/main" id="{1E6882CD-3ECC-453B-B862-6834D00A669A}"/>
-              </a:ext>
-            </a:extLst>
-          </p:cNvPr>
+          <p:cNvPr id="2" name="标题 1"/>
           <p:cNvSpPr>
             <a:spLocks noGrp="1"/>
           </p:cNvSpPr>
@@ -20289,20 +20028,14 @@
       </p:sp>
       <p:pic>
         <p:nvPicPr>
-          <p:cNvPr id="4" name="图片 3">
-            <a:extLst>
-              <a:ext uri="{FF2B5EF4-FFF2-40B4-BE49-F238E27FC236}">
-                <a16:creationId xmlns:a16="http://schemas.microsoft.com/office/drawing/2014/main" id="{2FA93578-78B7-4DE2-AEDB-DEF49AF23143}"/>
-              </a:ext>
-            </a:extLst>
-          </p:cNvPr>
+          <p:cNvPr id="4" name="图片 3"/>
           <p:cNvPicPr>
             <a:picLocks noChangeAspect="1"/>
           </p:cNvPicPr>
           <p:nvPr/>
         </p:nvPicPr>
         <p:blipFill>
-          <a:blip r:embed="rId2"/>
+          <a:blip r:embed="rId1"/>
           <a:stretch>
             <a:fillRect/>
           </a:stretch>
@@ -20318,22 +20051,17 @@
         </p:spPr>
       </p:pic>
     </p:spTree>
-    <p:extLst>
-      <p:ext uri="{BB962C8B-B14F-4D97-AF65-F5344CB8AC3E}">
-        <p14:creationId xmlns:p14="http://schemas.microsoft.com/office/powerpoint/2010/main" val="1416632371"/>
-      </p:ext>
-    </p:extLst>
   </p:cSld>
   <p:clrMapOvr>
     <a:masterClrMapping/>
   </p:clrMapOvr>
-  <mc:AlternateContent xmlns:mc="http://schemas.openxmlformats.org/markup-compatibility/2006" xmlns:p14="http://schemas.microsoft.com/office/powerpoint/2010/main">
-    <mc:Choice Requires="p14">
+  <mc:AlternateContent xmlns:mc="http://schemas.openxmlformats.org/markup-compatibility/2006">
+    <mc:Choice xmlns:p14="http://schemas.microsoft.com/office/powerpoint/2010/main" Requires="p14">
       <p:transition spd="slow" p14:dur="1600">
         <p:blinds dir="vert"/>
       </p:transition>
     </mc:Choice>
-    <mc:Fallback xmlns="">
+    <mc:Fallback>
       <p:transition spd="slow">
         <p:blinds dir="vert"/>
       </p:transition>
@@ -20361,13 +20089,7 @@
       </p:grpSpPr>
       <p:sp>
         <p:nvSpPr>
-          <p:cNvPr id="2" name="标题 1">
-            <a:extLst>
-              <a:ext uri="{FF2B5EF4-FFF2-40B4-BE49-F238E27FC236}">
-                <a16:creationId xmlns:a16="http://schemas.microsoft.com/office/drawing/2014/main" id="{36B94327-554E-4B74-8E6D-C4FBC85C7A0E}"/>
-              </a:ext>
-            </a:extLst>
-          </p:cNvPr>
+          <p:cNvPr id="2" name="标题 1"/>
           <p:cNvSpPr>
             <a:spLocks noGrp="1"/>
           </p:cNvSpPr>
@@ -20402,13 +20124,7 @@
       </p:sp>
       <p:sp>
         <p:nvSpPr>
-          <p:cNvPr id="3" name="内容占位符 2">
-            <a:extLst>
-              <a:ext uri="{FF2B5EF4-FFF2-40B4-BE49-F238E27FC236}">
-                <a16:creationId xmlns:a16="http://schemas.microsoft.com/office/drawing/2014/main" id="{04FE5422-A163-4BB4-8C5A-E995D4AA38C0}"/>
-              </a:ext>
-            </a:extLst>
-          </p:cNvPr>
+          <p:cNvPr id="3" name="内容占位符 2"/>
           <p:cNvSpPr>
             <a:spLocks noGrp="1"/>
           </p:cNvSpPr>
@@ -20449,6 +20165,7 @@
               <a:rPr lang="en-US" altLang="zh-CN" dirty="0"/>
               <a:t>)</a:t>
             </a:r>
+            <a:endParaRPr lang="en-US" altLang="zh-CN" dirty="0"/>
           </a:p>
           <a:p>
             <a:pPr marL="0" indent="0">
@@ -20458,6 +20175,7 @@
               <a:rPr lang="en-US" altLang="zh-CN" dirty="0"/>
               <a:t>if(reset)</a:t>
             </a:r>
+            <a:endParaRPr lang="en-US" altLang="zh-CN" dirty="0"/>
           </a:p>
           <a:p>
             <a:pPr marL="0" indent="0">
@@ -20467,6 +20185,7 @@
               <a:rPr lang="en-US" altLang="zh-CN" dirty="0"/>
               <a:t>    ...</a:t>
             </a:r>
+            <a:endParaRPr lang="en-US" altLang="zh-CN" dirty="0"/>
           </a:p>
           <a:p>
             <a:pPr marL="0" indent="0">
@@ -20476,6 +20195,7 @@
               <a:rPr lang="en-US" altLang="zh-CN" dirty="0"/>
               <a:t>else  case(state)</a:t>
             </a:r>
+            <a:endParaRPr lang="en-US" altLang="zh-CN" dirty="0"/>
           </a:p>
           <a:p>
             <a:pPr marL="0" indent="0">
@@ -20485,6 +20205,7 @@
               <a:rPr lang="en-US" altLang="zh-CN" dirty="0"/>
               <a:t>   STATE1:   ......</a:t>
             </a:r>
+            <a:endParaRPr lang="en-US" altLang="zh-CN" dirty="0"/>
           </a:p>
           <a:p>
             <a:pPr marL="0" indent="0">
@@ -20494,6 +20215,7 @@
               <a:rPr lang="en-US" altLang="zh-CN" dirty="0"/>
               <a:t>   STATE2:   ......</a:t>
             </a:r>
+            <a:endParaRPr lang="en-US" altLang="zh-CN" dirty="0"/>
           </a:p>
           <a:p>
             <a:pPr marL="0" indent="0">
@@ -20503,6 +20225,7 @@
               <a:rPr lang="en-US" altLang="zh-CN" dirty="0"/>
               <a:t>   ......</a:t>
             </a:r>
+            <a:endParaRPr lang="en-US" altLang="zh-CN" dirty="0"/>
           </a:p>
           <a:p>
             <a:pPr marL="0" indent="0">
@@ -20520,6 +20243,11 @@
               </a:rPr>
               <a:t>state &lt;= STATE1;</a:t>
             </a:r>
+            <a:endParaRPr lang="en-US" altLang="zh-CN" dirty="0">
+              <a:solidFill>
+                <a:srgbClr val="0070C0"/>
+              </a:solidFill>
+            </a:endParaRPr>
           </a:p>
           <a:p>
             <a:pPr marL="0" indent="0">
@@ -20540,22 +20268,17 @@
         </p:txBody>
       </p:sp>
     </p:spTree>
-    <p:extLst>
-      <p:ext uri="{BB962C8B-B14F-4D97-AF65-F5344CB8AC3E}">
-        <p14:creationId xmlns:p14="http://schemas.microsoft.com/office/powerpoint/2010/main" val="1395144562"/>
-      </p:ext>
-    </p:extLst>
   </p:cSld>
   <p:clrMapOvr>
     <a:masterClrMapping/>
   </p:clrMapOvr>
-  <mc:AlternateContent xmlns:mc="http://schemas.openxmlformats.org/markup-compatibility/2006" xmlns:p14="http://schemas.microsoft.com/office/powerpoint/2010/main">
-    <mc:Choice Requires="p14">
+  <mc:AlternateContent xmlns:mc="http://schemas.openxmlformats.org/markup-compatibility/2006">
+    <mc:Choice xmlns:p14="http://schemas.microsoft.com/office/powerpoint/2010/main" Requires="p14">
       <p:transition spd="slow" p14:dur="1600">
         <p:blinds dir="vert"/>
       </p:transition>
     </mc:Choice>
-    <mc:Fallback xmlns="">
+    <mc:Fallback>
       <p:transition spd="slow">
         <p:blinds dir="vert"/>
       </p:transition>
@@ -20583,13 +20306,7 @@
       </p:grpSpPr>
       <p:sp>
         <p:nvSpPr>
-          <p:cNvPr id="2" name="标题 1">
-            <a:extLst>
-              <a:ext uri="{FF2B5EF4-FFF2-40B4-BE49-F238E27FC236}">
-                <a16:creationId xmlns:a16="http://schemas.microsoft.com/office/drawing/2014/main" id="{3F2B42C4-65AC-4883-A189-4874285A7A97}"/>
-              </a:ext>
-            </a:extLst>
-          </p:cNvPr>
+          <p:cNvPr id="2" name="标题 1"/>
           <p:cNvSpPr>
             <a:spLocks noGrp="1"/>
           </p:cNvSpPr>
@@ -20606,25 +20323,20 @@
               <a:rPr lang="zh-CN" altLang="en-US" dirty="0"/>
               <a:t>时钟信号仿真</a:t>
             </a:r>
+            <a:endParaRPr lang="zh-CN" altLang="en-US" dirty="0"/>
           </a:p>
         </p:txBody>
       </p:sp>
       <p:pic>
         <p:nvPicPr>
-          <p:cNvPr id="5" name="图片 4">
-            <a:extLst>
-              <a:ext uri="{FF2B5EF4-FFF2-40B4-BE49-F238E27FC236}">
-                <a16:creationId xmlns:a16="http://schemas.microsoft.com/office/drawing/2014/main" id="{B1C2B67C-8705-4FB0-9903-1AB5E741E378}"/>
-              </a:ext>
-            </a:extLst>
-          </p:cNvPr>
+          <p:cNvPr id="5" name="图片 4"/>
           <p:cNvPicPr>
             <a:picLocks noChangeAspect="1"/>
           </p:cNvPicPr>
           <p:nvPr/>
         </p:nvPicPr>
         <p:blipFill>
-          <a:blip r:embed="rId2">
+          <a:blip r:embed="rId1">
             <a:extLst>
               <a:ext uri="{28A0092B-C50C-407E-A947-70E740481C1C}">
                 <a14:useLocalDpi xmlns:a14="http://schemas.microsoft.com/office/drawing/2010/main" val="0"/>
@@ -20646,22 +20358,17 @@
         </p:spPr>
       </p:pic>
     </p:spTree>
-    <p:extLst>
-      <p:ext uri="{BB962C8B-B14F-4D97-AF65-F5344CB8AC3E}">
-        <p14:creationId xmlns:p14="http://schemas.microsoft.com/office/powerpoint/2010/main" val="3526517505"/>
-      </p:ext>
-    </p:extLst>
   </p:cSld>
   <p:clrMapOvr>
     <a:masterClrMapping/>
   </p:clrMapOvr>
-  <mc:AlternateContent xmlns:mc="http://schemas.openxmlformats.org/markup-compatibility/2006" xmlns:p14="http://schemas.microsoft.com/office/powerpoint/2010/main">
-    <mc:Choice Requires="p14">
+  <mc:AlternateContent xmlns:mc="http://schemas.openxmlformats.org/markup-compatibility/2006">
+    <mc:Choice xmlns:p14="http://schemas.microsoft.com/office/powerpoint/2010/main" Requires="p14">
       <p:transition spd="slow" p14:dur="1600">
         <p:blinds dir="vert"/>
       </p:transition>
     </mc:Choice>
-    <mc:Fallback xmlns="">
+    <mc:Fallback>
       <p:transition spd="slow">
         <p:blinds dir="vert"/>
       </p:transition>
@@ -20689,13 +20396,7 @@
       </p:grpSpPr>
       <p:sp>
         <p:nvSpPr>
-          <p:cNvPr id="2" name="标题 1">
-            <a:extLst>
-              <a:ext uri="{FF2B5EF4-FFF2-40B4-BE49-F238E27FC236}">
-                <a16:creationId xmlns:a16="http://schemas.microsoft.com/office/drawing/2014/main" id="{394A6B8C-9B84-4D5D-979F-34133920B7AF}"/>
-              </a:ext>
-            </a:extLst>
-          </p:cNvPr>
+          <p:cNvPr id="2" name="标题 1"/>
           <p:cNvSpPr>
             <a:spLocks noGrp="1"/>
           </p:cNvSpPr>
@@ -20712,18 +20413,13 @@
               <a:rPr lang="zh-CN" altLang="en-US" dirty="0"/>
               <a:t>预习</a:t>
             </a:r>
+            <a:endParaRPr lang="zh-CN" altLang="en-US" dirty="0"/>
           </a:p>
         </p:txBody>
       </p:sp>
       <p:sp>
         <p:nvSpPr>
-          <p:cNvPr id="3" name="内容占位符 2">
-            <a:extLst>
-              <a:ext uri="{FF2B5EF4-FFF2-40B4-BE49-F238E27FC236}">
-                <a16:creationId xmlns:a16="http://schemas.microsoft.com/office/drawing/2014/main" id="{DFED92F6-D664-4525-98A2-449ED3C748A0}"/>
-              </a:ext>
-            </a:extLst>
-          </p:cNvPr>
+          <p:cNvPr id="3" name="内容占位符 2"/>
           <p:cNvSpPr>
             <a:spLocks noGrp="1"/>
           </p:cNvSpPr>
@@ -20740,32 +20436,34 @@
               <a:rPr lang="zh-CN" altLang="en-US" dirty="0"/>
               <a:t>移位寄存器</a:t>
             </a:r>
+            <a:endParaRPr lang="zh-CN" altLang="en-US" dirty="0"/>
           </a:p>
         </p:txBody>
       </p:sp>
     </p:spTree>
-    <p:extLst>
-      <p:ext uri="{BB962C8B-B14F-4D97-AF65-F5344CB8AC3E}">
-        <p14:creationId xmlns:p14="http://schemas.microsoft.com/office/powerpoint/2010/main" val="2408402556"/>
-      </p:ext>
-    </p:extLst>
   </p:cSld>
   <p:clrMapOvr>
     <a:masterClrMapping/>
   </p:clrMapOvr>
-  <mc:AlternateContent xmlns:mc="http://schemas.openxmlformats.org/markup-compatibility/2006" xmlns:p14="http://schemas.microsoft.com/office/powerpoint/2010/main">
-    <mc:Choice Requires="p14">
+  <mc:AlternateContent xmlns:mc="http://schemas.openxmlformats.org/markup-compatibility/2006">
+    <mc:Choice xmlns:p14="http://schemas.microsoft.com/office/powerpoint/2010/main" Requires="p14">
       <p:transition spd="slow" p14:dur="1600">
         <p:blinds dir="vert"/>
       </p:transition>
     </mc:Choice>
-    <mc:Fallback xmlns="">
+    <mc:Fallback>
       <p:transition spd="slow">
         <p:blinds dir="vert"/>
       </p:transition>
     </mc:Fallback>
   </mc:AlternateContent>
 </p:sld>
+</file>
+
+<file path=ppt/tags/tag1.xml><?xml version="1.0" encoding="utf-8"?>
+<p:tagLst xmlns:p="http://schemas.openxmlformats.org/presentationml/2006/main">
+  <p:tag name="KSO_WM_UNIT_TABLE_BEAUTIFY" val="smartTable{343a4de4-73dc-4c01-b2c1-f2adfc99616e}"/>
+</p:tagLst>
 </file>
 
 <file path=ppt/theme/theme1.xml><?xml version="1.0" encoding="utf-8"?>
@@ -21015,13 +20713,8 @@
           <a:headEnd type="none" w="med" len="med"/>
           <a:tailEnd type="none" w="med" len="med"/>
         </a:ln>
-        <a:effectLst/>
       </a:spPr>
-      <a:bodyPr vert="horz" wrap="square" lIns="91440" tIns="45720" rIns="91440" bIns="45720" numCol="1" anchor="t" anchorCtr="0" compatLnSpc="1">
-        <a:prstTxWarp prst="textNoShape">
-          <a:avLst/>
-        </a:prstTxWarp>
-      </a:bodyPr>
+      <a:bodyPr vert="horz" wrap="square" lIns="91440" tIns="45720" rIns="91440" bIns="45720" numCol="1" anchor="t" anchorCtr="0" compatLnSpc="1"/>
       <a:lstStyle>
         <a:defPPr marL="0" marR="0" indent="0" algn="l" defTabSz="914400" rtl="0" eaLnBrk="1" fontAlgn="base" latinLnBrk="1" hangingPunct="1">
           <a:lnSpc>
@@ -21037,7 +20730,6 @@
           <a:buSzTx/>
           <a:buFontTx/>
           <a:buNone/>
-          <a:tabLst/>
           <a:defRPr kumimoji="0" lang="ko-KR" sz="1800" b="0" i="0" u="none" strike="noStrike" cap="none" normalizeH="0" baseline="0" smtClean="0">
             <a:ln>
               <a:noFill/>
@@ -21078,13 +20770,8 @@
           <a:headEnd type="none" w="med" len="med"/>
           <a:tailEnd type="none" w="med" len="med"/>
         </a:ln>
-        <a:effectLst/>
       </a:spPr>
-      <a:bodyPr vert="horz" wrap="square" lIns="91440" tIns="45720" rIns="91440" bIns="45720" numCol="1" anchor="t" anchorCtr="0" compatLnSpc="1">
-        <a:prstTxWarp prst="textNoShape">
-          <a:avLst/>
-        </a:prstTxWarp>
-      </a:bodyPr>
+      <a:bodyPr vert="horz" wrap="square" lIns="91440" tIns="45720" rIns="91440" bIns="45720" numCol="1" anchor="t" anchorCtr="0" compatLnSpc="1"/>
       <a:lstStyle>
         <a:defPPr marL="0" marR="0" indent="0" algn="l" defTabSz="914400" rtl="0" eaLnBrk="1" fontAlgn="base" latinLnBrk="1" hangingPunct="1">
           <a:lnSpc>
@@ -21100,7 +20787,6 @@
           <a:buSzTx/>
           <a:buFontTx/>
           <a:buNone/>
-          <a:tabLst/>
           <a:defRPr kumimoji="0" lang="ko-KR" sz="1800" b="0" i="0" u="none" strike="noStrike" cap="none" normalizeH="0" baseline="0" smtClean="0">
             <a:ln>
               <a:noFill/>
@@ -21610,6 +21296,11 @@
       <a:clrMap bg1="dk2" tx1="lt1" bg2="dk1" tx2="lt2" accent1="accent1" accent2="accent2" accent3="accent3" accent4="accent4" accent5="accent5" accent6="accent6" hlink="hlink" folHlink="folHlink"/>
     </a:extraClrScheme>
   </a:extraClrSchemeLst>
+  <a:extLst>
+    <a:ext uri="{05A4C25C-085E-4340-85A3-A5531E510DB2}">
+      <thm15:themeFamily xmlns:thm15="http://schemas.microsoft.com/office/thememl/2012/main" name="Office Theme" id="{62F939B6-93AF-4DB8-9C6B-D6C7DFDC589F}" vid="{4A3C46E8-61CC-4603-A589-7422A47A8E4A}"/>
+    </a:ext>
+  </a:extLst>
 </a:theme>
 </file>
 
@@ -21621,7 +21312,7 @@
         <a:sysClr val="windowText" lastClr="000000"/>
       </a:dk1>
       <a:lt1>
-        <a:sysClr val="window" lastClr="CCE8CF"/>
+        <a:sysClr val="window" lastClr="FFFFFF"/>
       </a:lt1>
       <a:dk2>
         <a:srgbClr val="1F497D"/>
@@ -21893,8 +21584,11 @@
       </a:bgFillStyleLst>
     </a:fmtScheme>
   </a:themeElements>
-  <a:objectDefaults/>
-  <a:extraClrSchemeLst/>
+  <a:extLst>
+    <a:ext uri="{05A4C25C-085E-4340-85A3-A5531E510DB2}">
+      <thm15:themeFamily xmlns:thm15="http://schemas.microsoft.com/office/thememl/2012/main" name="Office Theme" id="{62F939B6-93AF-4DB8-9C6B-D6C7DFDC589F}" vid="{4A3C46E8-61CC-4603-A589-7422A47A8E4A}"/>
+    </a:ext>
+  </a:extLst>
 </a:theme>
 </file>
 
@@ -22145,24 +21839,8 @@
           <a:headEnd type="none" w="med" len="med"/>
           <a:tailEnd type="none" w="med" len="med"/>
         </a:ln>
-        <a:effectLst/>
-        <a:extLst>
-          <a:ext uri="{AF507438-7753-43E0-B8FC-AC1667EBCBE1}">
-            <a14:hiddenEffects xmlns:a14="http://schemas.microsoft.com/office/drawing/2010/main">
-              <a:effectLst>
-                <a:outerShdw dist="35921" dir="2700000" algn="ctr" rotWithShape="0">
-                  <a:schemeClr val="bg2"/>
-                </a:outerShdw>
-              </a:effectLst>
-            </a14:hiddenEffects>
-          </a:ext>
-        </a:extLst>
       </a:spPr>
-      <a:bodyPr vert="horz" wrap="square" lIns="91440" tIns="45720" rIns="91440" bIns="45720" numCol="1" anchor="t" anchorCtr="0" compatLnSpc="1">
-        <a:prstTxWarp prst="textNoShape">
-          <a:avLst/>
-        </a:prstTxWarp>
-      </a:bodyPr>
+      <a:bodyPr vert="horz" wrap="square" lIns="91440" tIns="45720" rIns="91440" bIns="45720" numCol="1" anchor="t" anchorCtr="0" compatLnSpc="1"/>
       <a:lstStyle>
         <a:defPPr marL="0" marR="0" indent="0" algn="l" defTabSz="914400" rtl="0" eaLnBrk="1" fontAlgn="base" latinLnBrk="0" hangingPunct="1">
           <a:lnSpc>
@@ -22178,7 +21856,6 @@
           <a:buSzTx/>
           <a:buFontTx/>
           <a:buNone/>
-          <a:tabLst/>
           <a:defRPr kumimoji="0" lang="en-US" sz="1800" b="1" i="0" u="none" strike="noStrike" cap="none" normalizeH="0" baseline="0" smtClean="0">
             <a:ln>
               <a:noFill/>
@@ -22187,7 +21864,7 @@
               <a:schemeClr val="tx1"/>
             </a:solidFill>
             <a:effectLst/>
-            <a:latin typeface="Arial" charset="0"/>
+            <a:latin typeface="Arial" panose="020B0604020202020204" pitchFamily="34" charset="0"/>
           </a:defRPr>
         </a:defPPr>
       </a:lstStyle>
@@ -22218,24 +21895,8 @@
           <a:headEnd type="none" w="med" len="med"/>
           <a:tailEnd type="none" w="med" len="med"/>
         </a:ln>
-        <a:effectLst/>
-        <a:extLst>
-          <a:ext uri="{AF507438-7753-43E0-B8FC-AC1667EBCBE1}">
-            <a14:hiddenEffects xmlns:a14="http://schemas.microsoft.com/office/drawing/2010/main">
-              <a:effectLst>
-                <a:outerShdw dist="35921" dir="2700000" algn="ctr" rotWithShape="0">
-                  <a:schemeClr val="bg2"/>
-                </a:outerShdw>
-              </a:effectLst>
-            </a14:hiddenEffects>
-          </a:ext>
-        </a:extLst>
       </a:spPr>
-      <a:bodyPr vert="horz" wrap="square" lIns="91440" tIns="45720" rIns="91440" bIns="45720" numCol="1" anchor="t" anchorCtr="0" compatLnSpc="1">
-        <a:prstTxWarp prst="textNoShape">
-          <a:avLst/>
-        </a:prstTxWarp>
-      </a:bodyPr>
+      <a:bodyPr vert="horz" wrap="square" lIns="91440" tIns="45720" rIns="91440" bIns="45720" numCol="1" anchor="t" anchorCtr="0" compatLnSpc="1"/>
       <a:lstStyle>
         <a:defPPr marL="0" marR="0" indent="0" algn="l" defTabSz="914400" rtl="0" eaLnBrk="1" fontAlgn="base" latinLnBrk="0" hangingPunct="1">
           <a:lnSpc>
@@ -22251,7 +21912,6 @@
           <a:buSzTx/>
           <a:buFontTx/>
           <a:buNone/>
-          <a:tabLst/>
           <a:defRPr kumimoji="0" lang="en-US" sz="1800" b="1" i="0" u="none" strike="noStrike" cap="none" normalizeH="0" baseline="0" smtClean="0">
             <a:ln>
               <a:noFill/>
@@ -22260,7 +21920,7 @@
               <a:schemeClr val="tx1"/>
             </a:solidFill>
             <a:effectLst/>
-            <a:latin typeface="Arial" charset="0"/>
+            <a:latin typeface="Arial" panose="020B0604020202020204" pitchFamily="34" charset="0"/>
           </a:defRPr>
         </a:defPPr>
       </a:lstStyle>
@@ -22391,6 +22051,11 @@
       <a:clrMap bg1="lt1" tx1="dk1" bg2="lt2" tx2="dk2" accent1="accent1" accent2="accent2" accent3="accent3" accent4="accent4" accent5="accent5" accent6="accent6" hlink="hlink" folHlink="folHlink"/>
     </a:extraClrScheme>
   </a:extraClrSchemeLst>
+  <a:extLst>
+    <a:ext uri="{05A4C25C-085E-4340-85A3-A5531E510DB2}">
+      <thm15:themeFamily xmlns:thm15="http://schemas.microsoft.com/office/thememl/2012/main" name="Office Theme" id="{62F939B6-93AF-4DB8-9C6B-D6C7DFDC589F}" vid="{4A3C46E8-61CC-4603-A589-7422A47A8E4A}"/>
+    </a:ext>
+  </a:extLst>
 </a:theme>
 </file>
 
@@ -22402,7 +22067,7 @@
         <a:sysClr val="windowText" lastClr="000000"/>
       </a:dk1>
       <a:lt1>
-        <a:sysClr val="window" lastClr="CCE8CF"/>
+        <a:sysClr val="window" lastClr="FFFFFF"/>
       </a:lt1>
       <a:dk2>
         <a:srgbClr val="44546A"/>
@@ -22437,7 +22102,7 @@
     </a:clrScheme>
     <a:fontScheme name="Office">
       <a:majorFont>
-        <a:latin typeface="等线 Light" panose="020F0302020204030204"/>
+        <a:latin typeface="等线 Light"/>
         <a:ea typeface=""/>
         <a:cs typeface=""/>
         <a:font script="Jpan" typeface="游ゴシック Light"/>
@@ -22470,26 +22135,9 @@
         <a:font script="Viet" typeface="Times New Roman"/>
         <a:font script="Uigh" typeface="Microsoft Uighur"/>
         <a:font script="Geor" typeface="Sylfaen"/>
-        <a:font script="Armn" typeface="Arial"/>
-        <a:font script="Bugi" typeface="Leelawadee UI"/>
-        <a:font script="Bopo" typeface="Microsoft JhengHei"/>
-        <a:font script="Java" typeface="Javanese Text"/>
-        <a:font script="Lisu" typeface="Segoe UI"/>
-        <a:font script="Mymr" typeface="Myanmar Text"/>
-        <a:font script="Nkoo" typeface="Ebrima"/>
-        <a:font script="Olck" typeface="Nirmala UI"/>
-        <a:font script="Osma" typeface="Ebrima"/>
-        <a:font script="Phag" typeface="Phagspa"/>
-        <a:font script="Syrn" typeface="Estrangelo Edessa"/>
-        <a:font script="Syrj" typeface="Estrangelo Edessa"/>
-        <a:font script="Syre" typeface="Estrangelo Edessa"/>
-        <a:font script="Sora" typeface="Nirmala UI"/>
-        <a:font script="Tale" typeface="Microsoft Tai Le"/>
-        <a:font script="Talu" typeface="Microsoft New Tai Lue"/>
-        <a:font script="Tfng" typeface="Ebrima"/>
       </a:majorFont>
       <a:minorFont>
-        <a:latin typeface="等线" panose="020F0502020204030204"/>
+        <a:latin typeface="等线"/>
         <a:ea typeface=""/>
         <a:cs typeface=""/>
         <a:font script="Jpan" typeface="游ゴシック"/>
@@ -22522,23 +22170,6 @@
         <a:font script="Viet" typeface="Arial"/>
         <a:font script="Uigh" typeface="Microsoft Uighur"/>
         <a:font script="Geor" typeface="Sylfaen"/>
-        <a:font script="Armn" typeface="Arial"/>
-        <a:font script="Bugi" typeface="Leelawadee UI"/>
-        <a:font script="Bopo" typeface="Microsoft JhengHei"/>
-        <a:font script="Java" typeface="Javanese Text"/>
-        <a:font script="Lisu" typeface="Segoe UI"/>
-        <a:font script="Mymr" typeface="Myanmar Text"/>
-        <a:font script="Nkoo" typeface="Ebrima"/>
-        <a:font script="Olck" typeface="Nirmala UI"/>
-        <a:font script="Osma" typeface="Ebrima"/>
-        <a:font script="Phag" typeface="Phagspa"/>
-        <a:font script="Syrn" typeface="Estrangelo Edessa"/>
-        <a:font script="Syrj" typeface="Estrangelo Edessa"/>
-        <a:font script="Syre" typeface="Estrangelo Edessa"/>
-        <a:font script="Sora" typeface="Nirmala UI"/>
-        <a:font script="Tale" typeface="Microsoft Tai Le"/>
-        <a:font script="Talu" typeface="Microsoft New Tai Lue"/>
-        <a:font script="Tfng" typeface="Ebrima"/>
       </a:minorFont>
     </a:fontScheme>
     <a:fmtScheme name="Office">
@@ -22679,8 +22310,6 @@
       </a:bgFillStyleLst>
     </a:fmtScheme>
   </a:themeElements>
-  <a:objectDefaults/>
-  <a:extraClrSchemeLst/>
   <a:extLst>
     <a:ext uri="{05A4C25C-085E-4340-85A3-A5531E510DB2}">
       <thm15:themeFamily xmlns:thm15="http://schemas.microsoft.com/office/thememl/2012/main" name="Office Theme" id="{62F939B6-93AF-4DB8-9C6B-D6C7DFDC589F}" vid="{4A3C46E8-61CC-4603-A589-7422A47A8E4A}"/>
